--- a/ImagePPT.pptx
+++ b/ImagePPT.pptx
@@ -6,6 +6,7 @@
   </p:sldMasterIdLst>
   <p:sldIdLst>
     <p:sldId id="256" r:id="rId2"/>
+    <p:sldId id="257" r:id="rId3"/>
   </p:sldIdLst>
   <p:sldSz cx="12192000" cy="6858000"/>
   <p:notesSz cx="6858000" cy="9144000"/>
@@ -104,6 +105,11 @@
       </a:defRPr>
     </a:lvl9pPr>
   </p:defaultTextStyle>
+  <p:extLst>
+    <p:ext uri="{EFAFB233-063F-42B5-8137-9DF3F51BA10A}">
+      <p15:sldGuideLst xmlns:p15="http://schemas.microsoft.com/office/powerpoint/2012/main"/>
+    </p:ext>
+  </p:extLst>
 </p:presentation>
 </file>
 
@@ -152,7 +158,6 @@
               <a:rPr lang="en-US"/>
               <a:t>Click to edit Master title style</a:t>
             </a:r>
-            <a:endParaRPr lang="en-US"/>
           </a:p>
         </p:txBody>
       </p:sp>
@@ -217,7 +222,6 @@
               <a:rPr lang="en-US"/>
               <a:t>Click to edit Master subtitle style</a:t>
             </a:r>
-            <a:endParaRPr lang="en-US"/>
           </a:p>
         </p:txBody>
       </p:sp>
@@ -238,7 +242,7 @@
           <a:p>
             <a:fld id="{1DB96D8D-892D-40B2-A387-2FDB08BE920B}" type="datetimeFigureOut">
               <a:rPr lang="en-US" smtClean="0"/>
-              <a:t>11/22/2017</a:t>
+              <a:t>11/23/2017</a:t>
             </a:fld>
             <a:endParaRPr lang="en-US"/>
           </a:p>
@@ -335,7 +339,6 @@
               <a:rPr lang="en-US"/>
               <a:t>Click to edit Master title style</a:t>
             </a:r>
-            <a:endParaRPr lang="en-US"/>
           </a:p>
         </p:txBody>
       </p:sp>
@@ -387,7 +390,6 @@
               <a:rPr lang="en-US"/>
               <a:t>Fifth level</a:t>
             </a:r>
-            <a:endParaRPr lang="en-US"/>
           </a:p>
         </p:txBody>
       </p:sp>
@@ -408,7 +410,7 @@
           <a:p>
             <a:fld id="{1DB96D8D-892D-40B2-A387-2FDB08BE920B}" type="datetimeFigureOut">
               <a:rPr lang="en-US" smtClean="0"/>
-              <a:t>11/22/2017</a:t>
+              <a:t>11/23/2017</a:t>
             </a:fld>
             <a:endParaRPr lang="en-US"/>
           </a:p>
@@ -510,7 +512,6 @@
               <a:rPr lang="en-US"/>
               <a:t>Click to edit Master title style</a:t>
             </a:r>
-            <a:endParaRPr lang="en-US"/>
           </a:p>
         </p:txBody>
       </p:sp>
@@ -567,7 +568,6 @@
               <a:rPr lang="en-US"/>
               <a:t>Fifth level</a:t>
             </a:r>
-            <a:endParaRPr lang="en-US"/>
           </a:p>
         </p:txBody>
       </p:sp>
@@ -588,7 +588,7 @@
           <a:p>
             <a:fld id="{1DB96D8D-892D-40B2-A387-2FDB08BE920B}" type="datetimeFigureOut">
               <a:rPr lang="en-US" smtClean="0"/>
-              <a:t>11/22/2017</a:t>
+              <a:t>11/23/2017</a:t>
             </a:fld>
             <a:endParaRPr lang="en-US"/>
           </a:p>
@@ -685,7 +685,6 @@
               <a:rPr lang="en-US"/>
               <a:t>Click to edit Master title style</a:t>
             </a:r>
-            <a:endParaRPr lang="en-US"/>
           </a:p>
         </p:txBody>
       </p:sp>
@@ -737,7 +736,6 @@
               <a:rPr lang="en-US"/>
               <a:t>Fifth level</a:t>
             </a:r>
-            <a:endParaRPr lang="en-US"/>
           </a:p>
         </p:txBody>
       </p:sp>
@@ -758,7 +756,7 @@
           <a:p>
             <a:fld id="{1DB96D8D-892D-40B2-A387-2FDB08BE920B}" type="datetimeFigureOut">
               <a:rPr lang="en-US" smtClean="0"/>
-              <a:t>11/22/2017</a:t>
+              <a:t>11/23/2017</a:t>
             </a:fld>
             <a:endParaRPr lang="en-US"/>
           </a:p>
@@ -864,7 +862,6 @@
               <a:rPr lang="en-US"/>
               <a:t>Click to edit Master title style</a:t>
             </a:r>
-            <a:endParaRPr lang="en-US"/>
           </a:p>
         </p:txBody>
       </p:sp>
@@ -1004,7 +1001,7 @@
           <a:p>
             <a:fld id="{1DB96D8D-892D-40B2-A387-2FDB08BE920B}" type="datetimeFigureOut">
               <a:rPr lang="en-US" smtClean="0"/>
-              <a:t>11/22/2017</a:t>
+              <a:t>11/23/2017</a:t>
             </a:fld>
             <a:endParaRPr lang="en-US"/>
           </a:p>
@@ -1101,7 +1098,6 @@
               <a:rPr lang="en-US"/>
               <a:t>Click to edit Master title style</a:t>
             </a:r>
-            <a:endParaRPr lang="en-US"/>
           </a:p>
         </p:txBody>
       </p:sp>
@@ -1158,7 +1154,6 @@
               <a:rPr lang="en-US"/>
               <a:t>Fifth level</a:t>
             </a:r>
-            <a:endParaRPr lang="en-US"/>
           </a:p>
         </p:txBody>
       </p:sp>
@@ -1215,7 +1210,6 @@
               <a:rPr lang="en-US"/>
               <a:t>Fifth level</a:t>
             </a:r>
-            <a:endParaRPr lang="en-US"/>
           </a:p>
         </p:txBody>
       </p:sp>
@@ -1236,7 +1230,7 @@
           <a:p>
             <a:fld id="{1DB96D8D-892D-40B2-A387-2FDB08BE920B}" type="datetimeFigureOut">
               <a:rPr lang="en-US" smtClean="0"/>
-              <a:t>11/22/2017</a:t>
+              <a:t>11/23/2017</a:t>
             </a:fld>
             <a:endParaRPr lang="en-US"/>
           </a:p>
@@ -1338,7 +1332,6 @@
               <a:rPr lang="en-US"/>
               <a:t>Click to edit Master title style</a:t>
             </a:r>
-            <a:endParaRPr lang="en-US"/>
           </a:p>
         </p:txBody>
       </p:sp>
@@ -1460,7 +1453,6 @@
               <a:rPr lang="en-US"/>
               <a:t>Fifth level</a:t>
             </a:r>
-            <a:endParaRPr lang="en-US"/>
           </a:p>
         </p:txBody>
       </p:sp>
@@ -1582,7 +1574,6 @@
               <a:rPr lang="en-US"/>
               <a:t>Fifth level</a:t>
             </a:r>
-            <a:endParaRPr lang="en-US"/>
           </a:p>
         </p:txBody>
       </p:sp>
@@ -1603,7 +1594,7 @@
           <a:p>
             <a:fld id="{1DB96D8D-892D-40B2-A387-2FDB08BE920B}" type="datetimeFigureOut">
               <a:rPr lang="en-US" smtClean="0"/>
-              <a:t>11/22/2017</a:t>
+              <a:t>11/23/2017</a:t>
             </a:fld>
             <a:endParaRPr lang="en-US"/>
           </a:p>
@@ -1700,7 +1691,6 @@
               <a:rPr lang="en-US"/>
               <a:t>Click to edit Master title style</a:t>
             </a:r>
-            <a:endParaRPr lang="en-US"/>
           </a:p>
         </p:txBody>
       </p:sp>
@@ -1721,7 +1711,7 @@
           <a:p>
             <a:fld id="{1DB96D8D-892D-40B2-A387-2FDB08BE920B}" type="datetimeFigureOut">
               <a:rPr lang="en-US" smtClean="0"/>
-              <a:t>11/22/2017</a:t>
+              <a:t>11/23/2017</a:t>
             </a:fld>
             <a:endParaRPr lang="en-US"/>
           </a:p>
@@ -1816,7 +1806,7 @@
           <a:p>
             <a:fld id="{1DB96D8D-892D-40B2-A387-2FDB08BE920B}" type="datetimeFigureOut">
               <a:rPr lang="en-US" smtClean="0"/>
-              <a:t>11/22/2017</a:t>
+              <a:t>11/23/2017</a:t>
             </a:fld>
             <a:endParaRPr lang="en-US"/>
           </a:p>
@@ -1922,7 +1912,6 @@
               <a:rPr lang="en-US"/>
               <a:t>Click to edit Master title style</a:t>
             </a:r>
-            <a:endParaRPr lang="en-US"/>
           </a:p>
         </p:txBody>
       </p:sp>
@@ -2007,7 +1996,6 @@
               <a:rPr lang="en-US"/>
               <a:t>Fifth level</a:t>
             </a:r>
-            <a:endParaRPr lang="en-US"/>
           </a:p>
         </p:txBody>
       </p:sp>
@@ -2093,7 +2081,7 @@
           <a:p>
             <a:fld id="{1DB96D8D-892D-40B2-A387-2FDB08BE920B}" type="datetimeFigureOut">
               <a:rPr lang="en-US" smtClean="0"/>
-              <a:t>11/22/2017</a:t>
+              <a:t>11/23/2017</a:t>
             </a:fld>
             <a:endParaRPr lang="en-US"/>
           </a:p>
@@ -2199,7 +2187,6 @@
               <a:rPr lang="en-US"/>
               <a:t>Click to edit Master title style</a:t>
             </a:r>
-            <a:endParaRPr lang="en-US"/>
           </a:p>
         </p:txBody>
       </p:sp>
@@ -2346,7 +2333,7 @@
           <a:p>
             <a:fld id="{1DB96D8D-892D-40B2-A387-2FDB08BE920B}" type="datetimeFigureOut">
               <a:rPr lang="en-US" smtClean="0"/>
-              <a:t>11/22/2017</a:t>
+              <a:t>11/23/2017</a:t>
             </a:fld>
             <a:endParaRPr lang="en-US"/>
           </a:p>
@@ -2458,7 +2445,6 @@
               <a:rPr lang="en-US"/>
               <a:t>Click to edit Master title style</a:t>
             </a:r>
-            <a:endParaRPr lang="en-US"/>
           </a:p>
         </p:txBody>
       </p:sp>
@@ -2520,7 +2506,6 @@
               <a:rPr lang="en-US"/>
               <a:t>Fifth level</a:t>
             </a:r>
-            <a:endParaRPr lang="en-US"/>
           </a:p>
         </p:txBody>
       </p:sp>
@@ -2559,7 +2544,7 @@
           <a:p>
             <a:fld id="{1DB96D8D-892D-40B2-A387-2FDB08BE920B}" type="datetimeFigureOut">
               <a:rPr lang="en-US" smtClean="0"/>
-              <a:t>11/22/2017</a:t>
+              <a:t>11/23/2017</a:t>
             </a:fld>
             <a:endParaRPr lang="en-US"/>
           </a:p>
@@ -2972,8 +2957,8 @@
         </p:nvSpPr>
         <p:spPr>
           <a:xfrm>
-            <a:off x="1451296" y="2793533"/>
-            <a:ext cx="2105637" cy="1568741"/>
+            <a:off x="1451296" y="1275127"/>
+            <a:ext cx="2105637" cy="3087147"/>
           </a:xfrm>
           <a:prstGeom prst="rect">
             <a:avLst/>
@@ -3254,10 +3239,773 @@
           </a:p>
         </p:txBody>
       </p:sp>
+      <p:sp>
+        <p:nvSpPr>
+          <p:cNvPr id="13" name="Rectangle 12"/>
+          <p:cNvSpPr/>
+          <p:nvPr/>
+        </p:nvSpPr>
+        <p:spPr>
+          <a:xfrm>
+            <a:off x="1455489" y="2789337"/>
+            <a:ext cx="2105637" cy="402672"/>
+          </a:xfrm>
+          <a:prstGeom prst="rect">
+            <a:avLst/>
+          </a:prstGeom>
+          <a:solidFill>
+            <a:schemeClr val="accent3">
+              <a:lumMod val="40000"/>
+              <a:lumOff val="60000"/>
+            </a:schemeClr>
+          </a:solidFill>
+        </p:spPr>
+        <p:style>
+          <a:lnRef idx="2">
+            <a:schemeClr val="accent1">
+              <a:shade val="50000"/>
+            </a:schemeClr>
+          </a:lnRef>
+          <a:fillRef idx="1">
+            <a:schemeClr val="accent1"/>
+          </a:fillRef>
+          <a:effectRef idx="0">
+            <a:schemeClr val="accent1"/>
+          </a:effectRef>
+          <a:fontRef idx="minor">
+            <a:schemeClr val="lt1"/>
+          </a:fontRef>
+        </p:style>
+        <p:txBody>
+          <a:bodyPr rtlCol="0" anchor="ctr"/>
+          <a:lstStyle/>
+          <a:p>
+            <a:pPr algn="ctr"/>
+            <a:endParaRPr lang="en-US" dirty="0"/>
+          </a:p>
+        </p:txBody>
+      </p:sp>
+      <p:sp>
+        <p:nvSpPr>
+          <p:cNvPr id="14" name="TextBox 13"/>
+          <p:cNvSpPr txBox="1"/>
+          <p:nvPr/>
+        </p:nvSpPr>
+        <p:spPr>
+          <a:xfrm>
+            <a:off x="2214694" y="4005743"/>
+            <a:ext cx="847288" cy="369332"/>
+          </a:xfrm>
+          <a:prstGeom prst="rect">
+            <a:avLst/>
+          </a:prstGeom>
+          <a:noFill/>
+        </p:spPr>
+        <p:txBody>
+          <a:bodyPr wrap="square" rtlCol="0">
+            <a:spAutoFit/>
+          </a:bodyPr>
+          <a:lstStyle/>
+          <a:p>
+            <a:r>
+              <a:rPr lang="en-US" altLang="zh-CN" dirty="0"/>
+              <a:t>main</a:t>
+            </a:r>
+            <a:endParaRPr lang="en-US" dirty="0"/>
+          </a:p>
+        </p:txBody>
+      </p:sp>
+      <p:sp>
+        <p:nvSpPr>
+          <p:cNvPr id="15" name="TextBox 14"/>
+          <p:cNvSpPr txBox="1"/>
+          <p:nvPr/>
+        </p:nvSpPr>
+        <p:spPr>
+          <a:xfrm>
+            <a:off x="2189527" y="2764386"/>
+            <a:ext cx="847288" cy="369332"/>
+          </a:xfrm>
+          <a:prstGeom prst="rect">
+            <a:avLst/>
+          </a:prstGeom>
+          <a:noFill/>
+        </p:spPr>
+        <p:txBody>
+          <a:bodyPr wrap="square" rtlCol="0">
+            <a:spAutoFit/>
+          </a:bodyPr>
+          <a:lstStyle/>
+          <a:p>
+            <a:r>
+              <a:rPr lang="en-US" altLang="zh-CN" dirty="0"/>
+              <a:t>swap</a:t>
+            </a:r>
+            <a:endParaRPr lang="en-US" dirty="0"/>
+          </a:p>
+        </p:txBody>
+      </p:sp>
+      <p:sp>
+        <p:nvSpPr>
+          <p:cNvPr id="16" name="Rectangle 15"/>
+          <p:cNvSpPr/>
+          <p:nvPr/>
+        </p:nvSpPr>
+        <p:spPr>
+          <a:xfrm>
+            <a:off x="1455489" y="2384568"/>
+            <a:ext cx="2105637" cy="402672"/>
+          </a:xfrm>
+          <a:prstGeom prst="rect">
+            <a:avLst/>
+          </a:prstGeom>
+          <a:solidFill>
+            <a:srgbClr val="FFFF00"/>
+          </a:solidFill>
+        </p:spPr>
+        <p:style>
+          <a:lnRef idx="2">
+            <a:schemeClr val="accent1">
+              <a:shade val="50000"/>
+            </a:schemeClr>
+          </a:lnRef>
+          <a:fillRef idx="1">
+            <a:schemeClr val="accent1"/>
+          </a:fillRef>
+          <a:effectRef idx="0">
+            <a:schemeClr val="accent1"/>
+          </a:effectRef>
+          <a:fontRef idx="minor">
+            <a:schemeClr val="lt1"/>
+          </a:fontRef>
+        </p:style>
+        <p:txBody>
+          <a:bodyPr rtlCol="0" anchor="ctr"/>
+          <a:lstStyle/>
+          <a:p>
+            <a:pPr algn="ctr"/>
+            <a:endParaRPr lang="en-US" dirty="0"/>
+          </a:p>
+        </p:txBody>
+      </p:sp>
+      <p:sp>
+        <p:nvSpPr>
+          <p:cNvPr id="17" name="Rectangle 16"/>
+          <p:cNvSpPr/>
+          <p:nvPr/>
+        </p:nvSpPr>
+        <p:spPr>
+          <a:xfrm>
+            <a:off x="1455489" y="1977702"/>
+            <a:ext cx="2105637" cy="402672"/>
+          </a:xfrm>
+          <a:prstGeom prst="rect">
+            <a:avLst/>
+          </a:prstGeom>
+          <a:solidFill>
+            <a:srgbClr val="FFFF00"/>
+          </a:solidFill>
+        </p:spPr>
+        <p:style>
+          <a:lnRef idx="2">
+            <a:schemeClr val="accent1">
+              <a:shade val="50000"/>
+            </a:schemeClr>
+          </a:lnRef>
+          <a:fillRef idx="1">
+            <a:schemeClr val="accent1"/>
+          </a:fillRef>
+          <a:effectRef idx="0">
+            <a:schemeClr val="accent1"/>
+          </a:effectRef>
+          <a:fontRef idx="minor">
+            <a:schemeClr val="lt1"/>
+          </a:fontRef>
+        </p:style>
+        <p:txBody>
+          <a:bodyPr rtlCol="0" anchor="ctr"/>
+          <a:lstStyle/>
+          <a:p>
+            <a:pPr algn="ctr"/>
+            <a:endParaRPr lang="en-US" dirty="0"/>
+          </a:p>
+        </p:txBody>
+      </p:sp>
+      <p:sp>
+        <p:nvSpPr>
+          <p:cNvPr id="18" name="TextBox 17"/>
+          <p:cNvSpPr txBox="1"/>
+          <p:nvPr/>
+        </p:nvSpPr>
+        <p:spPr>
+          <a:xfrm>
+            <a:off x="2168553" y="2025104"/>
+            <a:ext cx="671119" cy="369332"/>
+          </a:xfrm>
+          <a:prstGeom prst="rect">
+            <a:avLst/>
+          </a:prstGeom>
+          <a:noFill/>
+        </p:spPr>
+        <p:txBody>
+          <a:bodyPr wrap="square" rtlCol="0">
+            <a:spAutoFit/>
+          </a:bodyPr>
+          <a:lstStyle/>
+          <a:p>
+            <a:r>
+              <a:rPr lang="en-US" dirty="0"/>
+              <a:t>b = 1</a:t>
+            </a:r>
+          </a:p>
+        </p:txBody>
+      </p:sp>
+      <p:sp>
+        <p:nvSpPr>
+          <p:cNvPr id="20" name="TextBox 19"/>
+          <p:cNvSpPr txBox="1"/>
+          <p:nvPr/>
+        </p:nvSpPr>
+        <p:spPr>
+          <a:xfrm>
+            <a:off x="2168553" y="2447054"/>
+            <a:ext cx="813732" cy="369332"/>
+          </a:xfrm>
+          <a:prstGeom prst="rect">
+            <a:avLst/>
+          </a:prstGeom>
+          <a:noFill/>
+        </p:spPr>
+        <p:txBody>
+          <a:bodyPr wrap="square" rtlCol="0">
+            <a:spAutoFit/>
+          </a:bodyPr>
+          <a:lstStyle/>
+          <a:p>
+            <a:r>
+              <a:rPr lang="en-US" dirty="0"/>
+              <a:t>a = 2</a:t>
+            </a:r>
+          </a:p>
+        </p:txBody>
+      </p:sp>
+      <p:sp>
+        <p:nvSpPr>
+          <p:cNvPr id="21" name="Rectangle 20"/>
+          <p:cNvSpPr/>
+          <p:nvPr/>
+        </p:nvSpPr>
+        <p:spPr>
+          <a:xfrm>
+            <a:off x="1447103" y="1566857"/>
+            <a:ext cx="2105637" cy="402672"/>
+          </a:xfrm>
+          <a:prstGeom prst="rect">
+            <a:avLst/>
+          </a:prstGeom>
+          <a:solidFill>
+            <a:srgbClr val="FFFF00"/>
+          </a:solidFill>
+        </p:spPr>
+        <p:style>
+          <a:lnRef idx="2">
+            <a:schemeClr val="accent1">
+              <a:shade val="50000"/>
+            </a:schemeClr>
+          </a:lnRef>
+          <a:fillRef idx="1">
+            <a:schemeClr val="accent1"/>
+          </a:fillRef>
+          <a:effectRef idx="0">
+            <a:schemeClr val="accent1"/>
+          </a:effectRef>
+          <a:fontRef idx="minor">
+            <a:schemeClr val="lt1"/>
+          </a:fontRef>
+        </p:style>
+        <p:txBody>
+          <a:bodyPr rtlCol="0" anchor="ctr"/>
+          <a:lstStyle/>
+          <a:p>
+            <a:pPr algn="ctr"/>
+            <a:endParaRPr lang="en-US" dirty="0"/>
+          </a:p>
+        </p:txBody>
+      </p:sp>
+      <p:sp>
+        <p:nvSpPr>
+          <p:cNvPr id="22" name="TextBox 21"/>
+          <p:cNvSpPr txBox="1"/>
+          <p:nvPr/>
+        </p:nvSpPr>
+        <p:spPr>
+          <a:xfrm>
+            <a:off x="2155971" y="1564409"/>
+            <a:ext cx="671119" cy="369332"/>
+          </a:xfrm>
+          <a:prstGeom prst="rect">
+            <a:avLst/>
+          </a:prstGeom>
+          <a:noFill/>
+        </p:spPr>
+        <p:txBody>
+          <a:bodyPr wrap="square" rtlCol="0">
+            <a:spAutoFit/>
+          </a:bodyPr>
+          <a:lstStyle/>
+          <a:p>
+            <a:r>
+              <a:rPr lang="en-US" dirty="0"/>
+              <a:t>t = 1</a:t>
+            </a:r>
+          </a:p>
+        </p:txBody>
+      </p:sp>
     </p:spTree>
     <p:extLst>
       <p:ext uri="{BB962C8B-B14F-4D97-AF65-F5344CB8AC3E}">
         <p14:creationId xmlns:p14="http://schemas.microsoft.com/office/powerpoint/2010/main" val="3395529047"/>
+      </p:ext>
+    </p:extLst>
+  </p:cSld>
+  <p:clrMapOvr>
+    <a:masterClrMapping/>
+  </p:clrMapOvr>
+</p:sld>
+</file>
+
+<file path=ppt/slides/slide2.xml><?xml version="1.0" encoding="utf-8"?>
+<p:sld xmlns:a="http://schemas.openxmlformats.org/drawingml/2006/main" xmlns:r="http://schemas.openxmlformats.org/officeDocument/2006/relationships" xmlns:p="http://schemas.openxmlformats.org/presentationml/2006/main">
+  <p:cSld>
+    <p:spTree>
+      <p:nvGrpSpPr>
+        <p:cNvPr id="1" name=""/>
+        <p:cNvGrpSpPr/>
+        <p:nvPr/>
+      </p:nvGrpSpPr>
+      <p:grpSpPr>
+        <a:xfrm>
+          <a:off x="0" y="0"/>
+          <a:ext cx="0" cy="0"/>
+          <a:chOff x="0" y="0"/>
+          <a:chExt cx="0" cy="0"/>
+        </a:xfrm>
+      </p:grpSpPr>
+      <p:sp>
+        <p:nvSpPr>
+          <p:cNvPr id="5" name="Rectangle 4"/>
+          <p:cNvSpPr/>
+          <p:nvPr/>
+        </p:nvSpPr>
+        <p:spPr>
+          <a:xfrm>
+            <a:off x="1451296" y="2709644"/>
+            <a:ext cx="2105637" cy="1652630"/>
+          </a:xfrm>
+          <a:prstGeom prst="rect">
+            <a:avLst/>
+          </a:prstGeom>
+        </p:spPr>
+        <p:style>
+          <a:lnRef idx="2">
+            <a:schemeClr val="accent1">
+              <a:shade val="50000"/>
+            </a:schemeClr>
+          </a:lnRef>
+          <a:fillRef idx="1">
+            <a:schemeClr val="accent1"/>
+          </a:fillRef>
+          <a:effectRef idx="0">
+            <a:schemeClr val="accent1"/>
+          </a:effectRef>
+          <a:fontRef idx="minor">
+            <a:schemeClr val="lt1"/>
+          </a:fontRef>
+        </p:style>
+        <p:txBody>
+          <a:bodyPr rtlCol="0" anchor="ctr"/>
+          <a:lstStyle/>
+          <a:p>
+            <a:pPr algn="ctr"/>
+            <a:endParaRPr lang="en-US"/>
+          </a:p>
+        </p:txBody>
+      </p:sp>
+      <p:sp>
+        <p:nvSpPr>
+          <p:cNvPr id="6" name="TextBox 5"/>
+          <p:cNvSpPr txBox="1"/>
+          <p:nvPr/>
+        </p:nvSpPr>
+        <p:spPr>
+          <a:xfrm>
+            <a:off x="2239861" y="4437776"/>
+            <a:ext cx="528506" cy="369332"/>
+          </a:xfrm>
+          <a:prstGeom prst="rect">
+            <a:avLst/>
+          </a:prstGeom>
+          <a:noFill/>
+        </p:spPr>
+        <p:txBody>
+          <a:bodyPr wrap="square" rtlCol="0">
+            <a:spAutoFit/>
+          </a:bodyPr>
+          <a:lstStyle/>
+          <a:p>
+            <a:r>
+              <a:rPr lang="zh-CN" altLang="en-US" b="1" dirty="0"/>
+              <a:t>栈</a:t>
+            </a:r>
+            <a:endParaRPr lang="en-US" b="1" dirty="0"/>
+          </a:p>
+        </p:txBody>
+      </p:sp>
+      <p:sp>
+        <p:nvSpPr>
+          <p:cNvPr id="7" name="Rectangle 6"/>
+          <p:cNvSpPr/>
+          <p:nvPr/>
+        </p:nvSpPr>
+        <p:spPr>
+          <a:xfrm>
+            <a:off x="1451295" y="3997354"/>
+            <a:ext cx="2105637" cy="402672"/>
+          </a:xfrm>
+          <a:prstGeom prst="rect">
+            <a:avLst/>
+          </a:prstGeom>
+          <a:solidFill>
+            <a:schemeClr val="accent3">
+              <a:lumMod val="40000"/>
+              <a:lumOff val="60000"/>
+            </a:schemeClr>
+          </a:solidFill>
+        </p:spPr>
+        <p:style>
+          <a:lnRef idx="2">
+            <a:schemeClr val="accent1">
+              <a:shade val="50000"/>
+            </a:schemeClr>
+          </a:lnRef>
+          <a:fillRef idx="1">
+            <a:schemeClr val="accent1"/>
+          </a:fillRef>
+          <a:effectRef idx="0">
+            <a:schemeClr val="accent1"/>
+          </a:effectRef>
+          <a:fontRef idx="minor">
+            <a:schemeClr val="lt1"/>
+          </a:fontRef>
+        </p:style>
+        <p:txBody>
+          <a:bodyPr rtlCol="0" anchor="ctr"/>
+          <a:lstStyle/>
+          <a:p>
+            <a:pPr algn="ctr"/>
+            <a:endParaRPr lang="en-US" dirty="0"/>
+          </a:p>
+        </p:txBody>
+      </p:sp>
+      <p:sp>
+        <p:nvSpPr>
+          <p:cNvPr id="8" name="Rectangle 7"/>
+          <p:cNvSpPr/>
+          <p:nvPr/>
+        </p:nvSpPr>
+        <p:spPr>
+          <a:xfrm>
+            <a:off x="1451295" y="3603071"/>
+            <a:ext cx="2105637" cy="402672"/>
+          </a:xfrm>
+          <a:prstGeom prst="rect">
+            <a:avLst/>
+          </a:prstGeom>
+          <a:solidFill>
+            <a:srgbClr val="FFFF00"/>
+          </a:solidFill>
+        </p:spPr>
+        <p:style>
+          <a:lnRef idx="2">
+            <a:schemeClr val="accent1">
+              <a:shade val="50000"/>
+            </a:schemeClr>
+          </a:lnRef>
+          <a:fillRef idx="1">
+            <a:schemeClr val="accent1"/>
+          </a:fillRef>
+          <a:effectRef idx="0">
+            <a:schemeClr val="accent1"/>
+          </a:effectRef>
+          <a:fontRef idx="minor">
+            <a:schemeClr val="lt1"/>
+          </a:fontRef>
+        </p:style>
+        <p:txBody>
+          <a:bodyPr rtlCol="0" anchor="ctr"/>
+          <a:lstStyle/>
+          <a:p>
+            <a:pPr algn="ctr"/>
+            <a:endParaRPr lang="en-US" dirty="0"/>
+          </a:p>
+        </p:txBody>
+      </p:sp>
+      <p:sp>
+        <p:nvSpPr>
+          <p:cNvPr id="10" name="TextBox 9"/>
+          <p:cNvSpPr txBox="1"/>
+          <p:nvPr/>
+        </p:nvSpPr>
+        <p:spPr>
+          <a:xfrm>
+            <a:off x="2214693" y="4005743"/>
+            <a:ext cx="847288" cy="369332"/>
+          </a:xfrm>
+          <a:prstGeom prst="rect">
+            <a:avLst/>
+          </a:prstGeom>
+          <a:noFill/>
+        </p:spPr>
+        <p:txBody>
+          <a:bodyPr wrap="square" rtlCol="0">
+            <a:spAutoFit/>
+          </a:bodyPr>
+          <a:lstStyle/>
+          <a:p>
+            <a:r>
+              <a:rPr lang="en-US" altLang="zh-CN" dirty="0"/>
+              <a:t>main</a:t>
+            </a:r>
+            <a:endParaRPr lang="en-US" dirty="0"/>
+          </a:p>
+        </p:txBody>
+      </p:sp>
+      <p:sp>
+        <p:nvSpPr>
+          <p:cNvPr id="11" name="TextBox 10"/>
+          <p:cNvSpPr txBox="1"/>
+          <p:nvPr/>
+        </p:nvSpPr>
+        <p:spPr>
+          <a:xfrm>
+            <a:off x="1996580" y="3628238"/>
+            <a:ext cx="1308682" cy="369332"/>
+          </a:xfrm>
+          <a:prstGeom prst="rect">
+            <a:avLst/>
+          </a:prstGeom>
+          <a:noFill/>
+        </p:spPr>
+        <p:txBody>
+          <a:bodyPr wrap="square" rtlCol="0">
+            <a:spAutoFit/>
+          </a:bodyPr>
+          <a:lstStyle/>
+          <a:p>
+            <a:r>
+              <a:rPr lang="en-US" dirty="0"/>
+              <a:t>a = 0</a:t>
+            </a:r>
+            <a:r>
+              <a:rPr lang="en-US" altLang="zh-CN" dirty="0"/>
+              <a:t>x005</a:t>
+            </a:r>
+            <a:endParaRPr lang="en-US" dirty="0"/>
+          </a:p>
+        </p:txBody>
+      </p:sp>
+      <p:sp>
+        <p:nvSpPr>
+          <p:cNvPr id="14" name="TextBox 13"/>
+          <p:cNvSpPr txBox="1"/>
+          <p:nvPr/>
+        </p:nvSpPr>
+        <p:spPr>
+          <a:xfrm>
+            <a:off x="2214694" y="4005743"/>
+            <a:ext cx="847288" cy="369332"/>
+          </a:xfrm>
+          <a:prstGeom prst="rect">
+            <a:avLst/>
+          </a:prstGeom>
+          <a:noFill/>
+        </p:spPr>
+        <p:txBody>
+          <a:bodyPr wrap="square" rtlCol="0">
+            <a:spAutoFit/>
+          </a:bodyPr>
+          <a:lstStyle/>
+          <a:p>
+            <a:r>
+              <a:rPr lang="en-US" altLang="zh-CN" dirty="0"/>
+              <a:t>main</a:t>
+            </a:r>
+            <a:endParaRPr lang="en-US" dirty="0"/>
+          </a:p>
+        </p:txBody>
+      </p:sp>
+      <p:sp>
+        <p:nvSpPr>
+          <p:cNvPr id="19" name="Rectangle 18"/>
+          <p:cNvSpPr/>
+          <p:nvPr/>
+        </p:nvSpPr>
+        <p:spPr>
+          <a:xfrm>
+            <a:off x="4655890" y="2709644"/>
+            <a:ext cx="2105637" cy="1665431"/>
+          </a:xfrm>
+          <a:prstGeom prst="rect">
+            <a:avLst/>
+          </a:prstGeom>
+          <a:solidFill>
+            <a:schemeClr val="accent2"/>
+          </a:solidFill>
+        </p:spPr>
+        <p:style>
+          <a:lnRef idx="2">
+            <a:schemeClr val="accent1">
+              <a:shade val="50000"/>
+            </a:schemeClr>
+          </a:lnRef>
+          <a:fillRef idx="1">
+            <a:schemeClr val="accent1"/>
+          </a:fillRef>
+          <a:effectRef idx="0">
+            <a:schemeClr val="accent1"/>
+          </a:effectRef>
+          <a:fontRef idx="minor">
+            <a:schemeClr val="lt1"/>
+          </a:fontRef>
+        </p:style>
+        <p:txBody>
+          <a:bodyPr rtlCol="0" anchor="ctr"/>
+          <a:lstStyle/>
+          <a:p>
+            <a:pPr algn="ctr"/>
+            <a:endParaRPr lang="en-US"/>
+          </a:p>
+        </p:txBody>
+      </p:sp>
+      <p:sp>
+        <p:nvSpPr>
+          <p:cNvPr id="23" name="TextBox 22"/>
+          <p:cNvSpPr txBox="1"/>
+          <p:nvPr/>
+        </p:nvSpPr>
+        <p:spPr>
+          <a:xfrm>
+            <a:off x="5554910" y="4450468"/>
+            <a:ext cx="528506" cy="369332"/>
+          </a:xfrm>
+          <a:prstGeom prst="rect">
+            <a:avLst/>
+          </a:prstGeom>
+          <a:noFill/>
+        </p:spPr>
+        <p:txBody>
+          <a:bodyPr wrap="square" rtlCol="0">
+            <a:spAutoFit/>
+          </a:bodyPr>
+          <a:lstStyle/>
+          <a:p>
+            <a:r>
+              <a:rPr lang="zh-CN" altLang="en-US" b="1" dirty="0"/>
+              <a:t>堆</a:t>
+            </a:r>
+            <a:endParaRPr lang="en-US" b="1" dirty="0"/>
+          </a:p>
+        </p:txBody>
+      </p:sp>
+      <p:sp>
+        <p:nvSpPr>
+          <p:cNvPr id="2" name="Rectangle 1"/>
+          <p:cNvSpPr/>
+          <p:nvPr/>
+        </p:nvSpPr>
+        <p:spPr>
+          <a:xfrm>
+            <a:off x="4655890" y="2978198"/>
+            <a:ext cx="2105637" cy="796955"/>
+          </a:xfrm>
+          <a:prstGeom prst="rect">
+            <a:avLst/>
+          </a:prstGeom>
+          <a:solidFill>
+            <a:schemeClr val="accent6">
+              <a:lumMod val="60000"/>
+              <a:lumOff val="40000"/>
+            </a:schemeClr>
+          </a:solidFill>
+        </p:spPr>
+        <p:style>
+          <a:lnRef idx="2">
+            <a:schemeClr val="accent1">
+              <a:shade val="50000"/>
+            </a:schemeClr>
+          </a:lnRef>
+          <a:fillRef idx="1">
+            <a:schemeClr val="accent1"/>
+          </a:fillRef>
+          <a:effectRef idx="0">
+            <a:schemeClr val="accent1"/>
+          </a:effectRef>
+          <a:fontRef idx="minor">
+            <a:schemeClr val="lt1"/>
+          </a:fontRef>
+        </p:style>
+        <p:txBody>
+          <a:bodyPr rtlCol="0" anchor="ctr"/>
+          <a:lstStyle/>
+          <a:p>
+            <a:pPr algn="ctr"/>
+            <a:endParaRPr lang="en-US"/>
+          </a:p>
+        </p:txBody>
+      </p:sp>
+      <p:sp>
+        <p:nvSpPr>
+          <p:cNvPr id="3" name="TextBox 2"/>
+          <p:cNvSpPr txBox="1"/>
+          <p:nvPr/>
+        </p:nvSpPr>
+        <p:spPr>
+          <a:xfrm>
+            <a:off x="5176007" y="3112316"/>
+            <a:ext cx="1224793" cy="646331"/>
+          </a:xfrm>
+          <a:prstGeom prst="rect">
+            <a:avLst/>
+          </a:prstGeom>
+          <a:noFill/>
+        </p:spPr>
+        <p:txBody>
+          <a:bodyPr wrap="square" rtlCol="0">
+            <a:spAutoFit/>
+          </a:bodyPr>
+          <a:lstStyle/>
+          <a:p>
+            <a:r>
+              <a:rPr lang="en-US" dirty="0"/>
+              <a:t>A()</a:t>
+            </a:r>
+          </a:p>
+          <a:p>
+            <a:r>
+              <a:rPr lang="en-US" dirty="0" err="1"/>
+              <a:t>num</a:t>
+            </a:r>
+            <a:r>
+              <a:rPr lang="en-US" dirty="0"/>
+              <a:t> = 4</a:t>
+            </a:r>
+          </a:p>
+        </p:txBody>
+      </p:sp>
+    </p:spTree>
+    <p:extLst>
+      <p:ext uri="{BB962C8B-B14F-4D97-AF65-F5344CB8AC3E}">
+        <p14:creationId xmlns:p14="http://schemas.microsoft.com/office/powerpoint/2010/main" val="516482356"/>
       </p:ext>
     </p:extLst>
   </p:cSld>

--- a/ImagePPT.pptx
+++ b/ImagePPT.pptx
@@ -3852,7 +3852,7 @@
         </p:nvSpPr>
         <p:spPr>
           <a:xfrm>
-            <a:off x="4655890" y="2709644"/>
+            <a:off x="5192786" y="2726422"/>
             <a:ext cx="2105637" cy="1665431"/>
           </a:xfrm>
           <a:prstGeom prst="rect">
@@ -3895,7 +3895,7 @@
         </p:nvSpPr>
         <p:spPr>
           <a:xfrm>
-            <a:off x="5554910" y="4450468"/>
+            <a:off x="6133751" y="4450468"/>
             <a:ext cx="528506" cy="369332"/>
           </a:xfrm>
           <a:prstGeom prst="rect">
@@ -3925,7 +3925,7 @@
         </p:nvSpPr>
         <p:spPr>
           <a:xfrm>
-            <a:off x="4655890" y="2978198"/>
+            <a:off x="5192786" y="2994976"/>
             <a:ext cx="2105637" cy="796955"/>
           </a:xfrm>
           <a:prstGeom prst="rect">
@@ -3971,8 +3971,8 @@
         </p:nvSpPr>
         <p:spPr>
           <a:xfrm>
-            <a:off x="5176007" y="3112316"/>
-            <a:ext cx="1224793" cy="646331"/>
+            <a:off x="5395519" y="3070287"/>
+            <a:ext cx="2028738" cy="646331"/>
           </a:xfrm>
           <a:prstGeom prst="rect">
             <a:avLst/>
@@ -3997,7 +3997,147 @@
             </a:r>
             <a:r>
               <a:rPr lang="en-US" dirty="0"/>
-              <a:t> = 4</a:t>
+              <a:t> = 4      0x005</a:t>
+            </a:r>
+          </a:p>
+        </p:txBody>
+      </p:sp>
+      <p:cxnSp>
+        <p:nvCxnSpPr>
+          <p:cNvPr id="24" name="Straight Arrow Connector 23"/>
+          <p:cNvCxnSpPr>
+            <a:stCxn id="8" idx="3"/>
+            <a:endCxn id="2" idx="1"/>
+          </p:cNvCxnSpPr>
+          <p:nvPr/>
+        </p:nvCxnSpPr>
+        <p:spPr>
+          <a:xfrm flipV="1">
+            <a:off x="3556932" y="3393454"/>
+            <a:ext cx="1635854" cy="410953"/>
+          </a:xfrm>
+          <a:prstGeom prst="straightConnector1">
+            <a:avLst/>
+          </a:prstGeom>
+          <a:ln>
+            <a:tailEnd type="triangle"/>
+          </a:ln>
+        </p:spPr>
+        <p:style>
+          <a:lnRef idx="1">
+            <a:schemeClr val="dk1"/>
+          </a:lnRef>
+          <a:fillRef idx="0">
+            <a:schemeClr val="dk1"/>
+          </a:fillRef>
+          <a:effectRef idx="0">
+            <a:schemeClr val="dk1"/>
+          </a:effectRef>
+          <a:fontRef idx="minor">
+            <a:schemeClr val="tx1"/>
+          </a:fontRef>
+        </p:style>
+      </p:cxnSp>
+      <p:grpSp>
+        <p:nvGrpSpPr>
+          <p:cNvPr id="30" name="Group 29"/>
+          <p:cNvGrpSpPr/>
+          <p:nvPr/>
+        </p:nvGrpSpPr>
+        <p:grpSpPr>
+          <a:xfrm>
+            <a:off x="6133751" y="3430292"/>
+            <a:ext cx="188947" cy="195043"/>
+            <a:chOff x="1442906" y="855677"/>
+            <a:chExt cx="260058" cy="268447"/>
+          </a:xfrm>
+        </p:grpSpPr>
+        <p:cxnSp>
+          <p:nvCxnSpPr>
+            <p:cNvPr id="26" name="Straight Connector 25"/>
+            <p:cNvCxnSpPr/>
+            <p:nvPr/>
+          </p:nvCxnSpPr>
+          <p:spPr>
+            <a:xfrm>
+              <a:off x="1451295" y="855677"/>
+              <a:ext cx="251669" cy="260059"/>
+            </a:xfrm>
+            <a:prstGeom prst="line">
+              <a:avLst/>
+            </a:prstGeom>
+          </p:spPr>
+          <p:style>
+            <a:lnRef idx="3">
+              <a:schemeClr val="accent1"/>
+            </a:lnRef>
+            <a:fillRef idx="0">
+              <a:schemeClr val="accent1"/>
+            </a:fillRef>
+            <a:effectRef idx="2">
+              <a:schemeClr val="accent1"/>
+            </a:effectRef>
+            <a:fontRef idx="minor">
+              <a:schemeClr val="tx1"/>
+            </a:fontRef>
+          </p:style>
+        </p:cxnSp>
+        <p:cxnSp>
+          <p:nvCxnSpPr>
+            <p:cNvPr id="27" name="Straight Connector 26"/>
+            <p:cNvCxnSpPr/>
+            <p:nvPr/>
+          </p:nvCxnSpPr>
+          <p:spPr>
+            <a:xfrm flipH="1">
+              <a:off x="1442906" y="864064"/>
+              <a:ext cx="251669" cy="260060"/>
+            </a:xfrm>
+            <a:prstGeom prst="line">
+              <a:avLst/>
+            </a:prstGeom>
+          </p:spPr>
+          <p:style>
+            <a:lnRef idx="3">
+              <a:schemeClr val="accent1"/>
+            </a:lnRef>
+            <a:fillRef idx="0">
+              <a:schemeClr val="accent1"/>
+            </a:fillRef>
+            <a:effectRef idx="2">
+              <a:schemeClr val="accent1"/>
+            </a:effectRef>
+            <a:fontRef idx="minor">
+              <a:schemeClr val="tx1"/>
+            </a:fontRef>
+          </p:style>
+        </p:cxnSp>
+      </p:grpSp>
+      <p:sp>
+        <p:nvSpPr>
+          <p:cNvPr id="31" name="TextBox 30"/>
+          <p:cNvSpPr txBox="1"/>
+          <p:nvPr/>
+        </p:nvSpPr>
+        <p:spPr>
+          <a:xfrm>
+            <a:off x="6040466" y="3111349"/>
+            <a:ext cx="276137" cy="369332"/>
+          </a:xfrm>
+          <a:prstGeom prst="rect">
+            <a:avLst/>
+          </a:prstGeom>
+          <a:noFill/>
+        </p:spPr>
+        <p:txBody>
+          <a:bodyPr wrap="square" rtlCol="0">
+            <a:spAutoFit/>
+          </a:bodyPr>
+          <a:lstStyle/>
+          <a:p>
+            <a:r>
+              <a:rPr lang="en-US" dirty="0"/>
+              <a:t>5</a:t>
             </a:r>
           </a:p>
         </p:txBody>

--- a/ImagePPT.pptx
+++ b/ImagePPT.pptx
@@ -7,6 +7,7 @@
   <p:sldIdLst>
     <p:sldId id="256" r:id="rId2"/>
     <p:sldId id="257" r:id="rId3"/>
+    <p:sldId id="258" r:id="rId4"/>
   </p:sldIdLst>
   <p:sldSz cx="12192000" cy="6858000"/>
   <p:notesSz cx="6858000" cy="9144000"/>
@@ -4142,10 +4143,831 @@
           </a:p>
         </p:txBody>
       </p:sp>
+      <p:sp>
+        <p:nvSpPr>
+          <p:cNvPr id="34" name="Rectangle 33"/>
+          <p:cNvSpPr/>
+          <p:nvPr/>
+        </p:nvSpPr>
+        <p:spPr>
+          <a:xfrm>
+            <a:off x="1449002" y="3175448"/>
+            <a:ext cx="2105637" cy="402672"/>
+          </a:xfrm>
+          <a:prstGeom prst="rect">
+            <a:avLst/>
+          </a:prstGeom>
+          <a:solidFill>
+            <a:srgbClr val="FFFF00"/>
+          </a:solidFill>
+        </p:spPr>
+        <p:style>
+          <a:lnRef idx="2">
+            <a:schemeClr val="accent1">
+              <a:shade val="50000"/>
+            </a:schemeClr>
+          </a:lnRef>
+          <a:fillRef idx="1">
+            <a:schemeClr val="accent1"/>
+          </a:fillRef>
+          <a:effectRef idx="0">
+            <a:schemeClr val="accent1"/>
+          </a:effectRef>
+          <a:fontRef idx="minor">
+            <a:schemeClr val="lt1"/>
+          </a:fontRef>
+        </p:style>
+        <p:txBody>
+          <a:bodyPr rtlCol="0" anchor="ctr"/>
+          <a:lstStyle/>
+          <a:p>
+            <a:pPr algn="ctr"/>
+            <a:endParaRPr lang="en-US" dirty="0"/>
+          </a:p>
+        </p:txBody>
+      </p:sp>
+      <p:sp>
+        <p:nvSpPr>
+          <p:cNvPr id="35" name="TextBox 34"/>
+          <p:cNvSpPr txBox="1"/>
+          <p:nvPr/>
+        </p:nvSpPr>
+        <p:spPr>
+          <a:xfrm>
+            <a:off x="1893619" y="3192226"/>
+            <a:ext cx="1308682" cy="369332"/>
+          </a:xfrm>
+          <a:prstGeom prst="rect">
+            <a:avLst/>
+          </a:prstGeom>
+          <a:noFill/>
+        </p:spPr>
+        <p:txBody>
+          <a:bodyPr wrap="square" rtlCol="0">
+            <a:spAutoFit/>
+          </a:bodyPr>
+          <a:lstStyle/>
+          <a:p>
+            <a:r>
+              <a:rPr lang="en-US" dirty="0"/>
+              <a:t>a</a:t>
+            </a:r>
+            <a:r>
+              <a:rPr lang="en-US" altLang="zh-CN" dirty="0"/>
+              <a:t>a</a:t>
+            </a:r>
+            <a:r>
+              <a:rPr lang="en-US" dirty="0"/>
+              <a:t> = 0</a:t>
+            </a:r>
+            <a:r>
+              <a:rPr lang="en-US" altLang="zh-CN" dirty="0"/>
+              <a:t>x005</a:t>
+            </a:r>
+            <a:endParaRPr lang="en-US" dirty="0"/>
+          </a:p>
+        </p:txBody>
+      </p:sp>
+      <p:cxnSp>
+        <p:nvCxnSpPr>
+          <p:cNvPr id="36" name="Straight Arrow Connector 35"/>
+          <p:cNvCxnSpPr>
+            <a:endCxn id="2" idx="1"/>
+          </p:cNvCxnSpPr>
+          <p:nvPr/>
+        </p:nvCxnSpPr>
+        <p:spPr>
+          <a:xfrm flipV="1">
+            <a:off x="3550837" y="3393454"/>
+            <a:ext cx="1641949" cy="9569"/>
+          </a:xfrm>
+          <a:prstGeom prst="straightConnector1">
+            <a:avLst/>
+          </a:prstGeom>
+          <a:ln>
+            <a:tailEnd type="triangle"/>
+          </a:ln>
+        </p:spPr>
+        <p:style>
+          <a:lnRef idx="1">
+            <a:schemeClr val="dk1"/>
+          </a:lnRef>
+          <a:fillRef idx="0">
+            <a:schemeClr val="dk1"/>
+          </a:fillRef>
+          <a:effectRef idx="0">
+            <a:schemeClr val="dk1"/>
+          </a:effectRef>
+          <a:fontRef idx="minor">
+            <a:schemeClr val="tx1"/>
+          </a:fontRef>
+        </p:style>
+      </p:cxnSp>
     </p:spTree>
     <p:extLst>
       <p:ext uri="{BB962C8B-B14F-4D97-AF65-F5344CB8AC3E}">
         <p14:creationId xmlns:p14="http://schemas.microsoft.com/office/powerpoint/2010/main" val="516482356"/>
+      </p:ext>
+    </p:extLst>
+  </p:cSld>
+  <p:clrMapOvr>
+    <a:masterClrMapping/>
+  </p:clrMapOvr>
+</p:sld>
+</file>
+
+<file path=ppt/slides/slide3.xml><?xml version="1.0" encoding="utf-8"?>
+<p:sld xmlns:a="http://schemas.openxmlformats.org/drawingml/2006/main" xmlns:r="http://schemas.openxmlformats.org/officeDocument/2006/relationships" xmlns:p="http://schemas.openxmlformats.org/presentationml/2006/main">
+  <p:cSld>
+    <p:spTree>
+      <p:nvGrpSpPr>
+        <p:cNvPr id="1" name=""/>
+        <p:cNvGrpSpPr/>
+        <p:nvPr/>
+      </p:nvGrpSpPr>
+      <p:grpSpPr>
+        <a:xfrm>
+          <a:off x="0" y="0"/>
+          <a:ext cx="0" cy="0"/>
+          <a:chOff x="0" y="0"/>
+          <a:chExt cx="0" cy="0"/>
+        </a:xfrm>
+      </p:grpSpPr>
+      <p:sp>
+        <p:nvSpPr>
+          <p:cNvPr id="5" name="Rectangle 4"/>
+          <p:cNvSpPr/>
+          <p:nvPr/>
+        </p:nvSpPr>
+        <p:spPr>
+          <a:xfrm>
+            <a:off x="1451296" y="2709644"/>
+            <a:ext cx="2105637" cy="1652630"/>
+          </a:xfrm>
+          <a:prstGeom prst="rect">
+            <a:avLst/>
+          </a:prstGeom>
+        </p:spPr>
+        <p:style>
+          <a:lnRef idx="2">
+            <a:schemeClr val="accent1">
+              <a:shade val="50000"/>
+            </a:schemeClr>
+          </a:lnRef>
+          <a:fillRef idx="1">
+            <a:schemeClr val="accent1"/>
+          </a:fillRef>
+          <a:effectRef idx="0">
+            <a:schemeClr val="accent1"/>
+          </a:effectRef>
+          <a:fontRef idx="minor">
+            <a:schemeClr val="lt1"/>
+          </a:fontRef>
+        </p:style>
+        <p:txBody>
+          <a:bodyPr rtlCol="0" anchor="ctr"/>
+          <a:lstStyle/>
+          <a:p>
+            <a:pPr algn="ctr"/>
+            <a:endParaRPr lang="en-US"/>
+          </a:p>
+        </p:txBody>
+      </p:sp>
+      <p:sp>
+        <p:nvSpPr>
+          <p:cNvPr id="6" name="TextBox 5"/>
+          <p:cNvSpPr txBox="1"/>
+          <p:nvPr/>
+        </p:nvSpPr>
+        <p:spPr>
+          <a:xfrm>
+            <a:off x="2239861" y="4437776"/>
+            <a:ext cx="528506" cy="369332"/>
+          </a:xfrm>
+          <a:prstGeom prst="rect">
+            <a:avLst/>
+          </a:prstGeom>
+          <a:noFill/>
+        </p:spPr>
+        <p:txBody>
+          <a:bodyPr wrap="square" rtlCol="0">
+            <a:spAutoFit/>
+          </a:bodyPr>
+          <a:lstStyle/>
+          <a:p>
+            <a:r>
+              <a:rPr lang="zh-CN" altLang="en-US" b="1" dirty="0"/>
+              <a:t>栈</a:t>
+            </a:r>
+            <a:endParaRPr lang="en-US" b="1" dirty="0"/>
+          </a:p>
+        </p:txBody>
+      </p:sp>
+      <p:sp>
+        <p:nvSpPr>
+          <p:cNvPr id="7" name="Rectangle 6"/>
+          <p:cNvSpPr/>
+          <p:nvPr/>
+        </p:nvSpPr>
+        <p:spPr>
+          <a:xfrm>
+            <a:off x="1451295" y="3997354"/>
+            <a:ext cx="2105637" cy="402672"/>
+          </a:xfrm>
+          <a:prstGeom prst="rect">
+            <a:avLst/>
+          </a:prstGeom>
+          <a:solidFill>
+            <a:schemeClr val="accent3">
+              <a:lumMod val="40000"/>
+              <a:lumOff val="60000"/>
+            </a:schemeClr>
+          </a:solidFill>
+        </p:spPr>
+        <p:style>
+          <a:lnRef idx="2">
+            <a:schemeClr val="accent1">
+              <a:shade val="50000"/>
+            </a:schemeClr>
+          </a:lnRef>
+          <a:fillRef idx="1">
+            <a:schemeClr val="accent1"/>
+          </a:fillRef>
+          <a:effectRef idx="0">
+            <a:schemeClr val="accent1"/>
+          </a:effectRef>
+          <a:fontRef idx="minor">
+            <a:schemeClr val="lt1"/>
+          </a:fontRef>
+        </p:style>
+        <p:txBody>
+          <a:bodyPr rtlCol="0" anchor="ctr"/>
+          <a:lstStyle/>
+          <a:p>
+            <a:pPr algn="ctr"/>
+            <a:endParaRPr lang="en-US" dirty="0"/>
+          </a:p>
+        </p:txBody>
+      </p:sp>
+      <p:sp>
+        <p:nvSpPr>
+          <p:cNvPr id="8" name="Rectangle 7"/>
+          <p:cNvSpPr/>
+          <p:nvPr/>
+        </p:nvSpPr>
+        <p:spPr>
+          <a:xfrm>
+            <a:off x="1451295" y="3603071"/>
+            <a:ext cx="2105637" cy="402672"/>
+          </a:xfrm>
+          <a:prstGeom prst="rect">
+            <a:avLst/>
+          </a:prstGeom>
+          <a:solidFill>
+            <a:srgbClr val="FFFF00"/>
+          </a:solidFill>
+        </p:spPr>
+        <p:style>
+          <a:lnRef idx="2">
+            <a:schemeClr val="accent1">
+              <a:shade val="50000"/>
+            </a:schemeClr>
+          </a:lnRef>
+          <a:fillRef idx="1">
+            <a:schemeClr val="accent1"/>
+          </a:fillRef>
+          <a:effectRef idx="0">
+            <a:schemeClr val="accent1"/>
+          </a:effectRef>
+          <a:fontRef idx="minor">
+            <a:schemeClr val="lt1"/>
+          </a:fontRef>
+        </p:style>
+        <p:txBody>
+          <a:bodyPr rtlCol="0" anchor="ctr"/>
+          <a:lstStyle/>
+          <a:p>
+            <a:pPr algn="ctr"/>
+            <a:endParaRPr lang="en-US" dirty="0"/>
+          </a:p>
+        </p:txBody>
+      </p:sp>
+      <p:sp>
+        <p:nvSpPr>
+          <p:cNvPr id="10" name="TextBox 9"/>
+          <p:cNvSpPr txBox="1"/>
+          <p:nvPr/>
+        </p:nvSpPr>
+        <p:spPr>
+          <a:xfrm>
+            <a:off x="2214693" y="4005743"/>
+            <a:ext cx="847288" cy="369332"/>
+          </a:xfrm>
+          <a:prstGeom prst="rect">
+            <a:avLst/>
+          </a:prstGeom>
+          <a:noFill/>
+        </p:spPr>
+        <p:txBody>
+          <a:bodyPr wrap="square" rtlCol="0">
+            <a:spAutoFit/>
+          </a:bodyPr>
+          <a:lstStyle/>
+          <a:p>
+            <a:r>
+              <a:rPr lang="en-US" altLang="zh-CN" dirty="0"/>
+              <a:t>main</a:t>
+            </a:r>
+            <a:endParaRPr lang="en-US" dirty="0"/>
+          </a:p>
+        </p:txBody>
+      </p:sp>
+      <p:sp>
+        <p:nvSpPr>
+          <p:cNvPr id="11" name="TextBox 10"/>
+          <p:cNvSpPr txBox="1"/>
+          <p:nvPr/>
+        </p:nvSpPr>
+        <p:spPr>
+          <a:xfrm>
+            <a:off x="1996580" y="3628238"/>
+            <a:ext cx="1308682" cy="369332"/>
+          </a:xfrm>
+          <a:prstGeom prst="rect">
+            <a:avLst/>
+          </a:prstGeom>
+          <a:noFill/>
+        </p:spPr>
+        <p:txBody>
+          <a:bodyPr wrap="square" rtlCol="0">
+            <a:spAutoFit/>
+          </a:bodyPr>
+          <a:lstStyle/>
+          <a:p>
+            <a:r>
+              <a:rPr lang="en-US" dirty="0"/>
+              <a:t>a = 0</a:t>
+            </a:r>
+            <a:r>
+              <a:rPr lang="en-US" altLang="zh-CN" dirty="0"/>
+              <a:t>x005</a:t>
+            </a:r>
+            <a:endParaRPr lang="en-US" dirty="0"/>
+          </a:p>
+        </p:txBody>
+      </p:sp>
+      <p:sp>
+        <p:nvSpPr>
+          <p:cNvPr id="14" name="TextBox 13"/>
+          <p:cNvSpPr txBox="1"/>
+          <p:nvPr/>
+        </p:nvSpPr>
+        <p:spPr>
+          <a:xfrm>
+            <a:off x="2214694" y="4005743"/>
+            <a:ext cx="847288" cy="369332"/>
+          </a:xfrm>
+          <a:prstGeom prst="rect">
+            <a:avLst/>
+          </a:prstGeom>
+          <a:noFill/>
+        </p:spPr>
+        <p:txBody>
+          <a:bodyPr wrap="square" rtlCol="0">
+            <a:spAutoFit/>
+          </a:bodyPr>
+          <a:lstStyle/>
+          <a:p>
+            <a:r>
+              <a:rPr lang="en-US" altLang="zh-CN" dirty="0"/>
+              <a:t>main</a:t>
+            </a:r>
+            <a:endParaRPr lang="en-US" dirty="0"/>
+          </a:p>
+        </p:txBody>
+      </p:sp>
+      <p:sp>
+        <p:nvSpPr>
+          <p:cNvPr id="19" name="Rectangle 18"/>
+          <p:cNvSpPr/>
+          <p:nvPr/>
+        </p:nvSpPr>
+        <p:spPr>
+          <a:xfrm>
+            <a:off x="5192786" y="2726422"/>
+            <a:ext cx="2105637" cy="1665431"/>
+          </a:xfrm>
+          <a:prstGeom prst="rect">
+            <a:avLst/>
+          </a:prstGeom>
+          <a:solidFill>
+            <a:schemeClr val="accent2"/>
+          </a:solidFill>
+        </p:spPr>
+        <p:style>
+          <a:lnRef idx="2">
+            <a:schemeClr val="accent1">
+              <a:shade val="50000"/>
+            </a:schemeClr>
+          </a:lnRef>
+          <a:fillRef idx="1">
+            <a:schemeClr val="accent1"/>
+          </a:fillRef>
+          <a:effectRef idx="0">
+            <a:schemeClr val="accent1"/>
+          </a:effectRef>
+          <a:fontRef idx="minor">
+            <a:schemeClr val="lt1"/>
+          </a:fontRef>
+        </p:style>
+        <p:txBody>
+          <a:bodyPr rtlCol="0" anchor="ctr"/>
+          <a:lstStyle/>
+          <a:p>
+            <a:pPr algn="ctr"/>
+            <a:endParaRPr lang="en-US"/>
+          </a:p>
+        </p:txBody>
+      </p:sp>
+      <p:sp>
+        <p:nvSpPr>
+          <p:cNvPr id="23" name="TextBox 22"/>
+          <p:cNvSpPr txBox="1"/>
+          <p:nvPr/>
+        </p:nvSpPr>
+        <p:spPr>
+          <a:xfrm>
+            <a:off x="6133751" y="4450468"/>
+            <a:ext cx="528506" cy="369332"/>
+          </a:xfrm>
+          <a:prstGeom prst="rect">
+            <a:avLst/>
+          </a:prstGeom>
+          <a:noFill/>
+        </p:spPr>
+        <p:txBody>
+          <a:bodyPr wrap="square" rtlCol="0">
+            <a:spAutoFit/>
+          </a:bodyPr>
+          <a:lstStyle/>
+          <a:p>
+            <a:r>
+              <a:rPr lang="zh-CN" altLang="en-US" b="1" dirty="0"/>
+              <a:t>堆</a:t>
+            </a:r>
+            <a:endParaRPr lang="en-US" b="1" dirty="0"/>
+          </a:p>
+        </p:txBody>
+      </p:sp>
+      <p:sp>
+        <p:nvSpPr>
+          <p:cNvPr id="2" name="Rectangle 1"/>
+          <p:cNvSpPr/>
+          <p:nvPr/>
+        </p:nvSpPr>
+        <p:spPr>
+          <a:xfrm>
+            <a:off x="5192786" y="2994976"/>
+            <a:ext cx="2105637" cy="796955"/>
+          </a:xfrm>
+          <a:prstGeom prst="rect">
+            <a:avLst/>
+          </a:prstGeom>
+          <a:solidFill>
+            <a:schemeClr val="accent6">
+              <a:lumMod val="60000"/>
+              <a:lumOff val="40000"/>
+            </a:schemeClr>
+          </a:solidFill>
+        </p:spPr>
+        <p:style>
+          <a:lnRef idx="2">
+            <a:schemeClr val="accent1">
+              <a:shade val="50000"/>
+            </a:schemeClr>
+          </a:lnRef>
+          <a:fillRef idx="1">
+            <a:schemeClr val="accent1"/>
+          </a:fillRef>
+          <a:effectRef idx="0">
+            <a:schemeClr val="accent1"/>
+          </a:effectRef>
+          <a:fontRef idx="minor">
+            <a:schemeClr val="lt1"/>
+          </a:fontRef>
+        </p:style>
+        <p:txBody>
+          <a:bodyPr rtlCol="0" anchor="ctr"/>
+          <a:lstStyle/>
+          <a:p>
+            <a:pPr algn="ctr"/>
+            <a:endParaRPr lang="en-US"/>
+          </a:p>
+        </p:txBody>
+      </p:sp>
+      <p:sp>
+        <p:nvSpPr>
+          <p:cNvPr id="3" name="TextBox 2"/>
+          <p:cNvSpPr txBox="1"/>
+          <p:nvPr/>
+        </p:nvSpPr>
+        <p:spPr>
+          <a:xfrm>
+            <a:off x="5395519" y="3070287"/>
+            <a:ext cx="2028738" cy="646331"/>
+          </a:xfrm>
+          <a:prstGeom prst="rect">
+            <a:avLst/>
+          </a:prstGeom>
+          <a:noFill/>
+        </p:spPr>
+        <p:txBody>
+          <a:bodyPr wrap="square" rtlCol="0">
+            <a:spAutoFit/>
+          </a:bodyPr>
+          <a:lstStyle/>
+          <a:p>
+            <a:r>
+              <a:rPr lang="en-US" dirty="0"/>
+              <a:t>A()</a:t>
+            </a:r>
+          </a:p>
+          <a:p>
+            <a:r>
+              <a:rPr lang="en-US" dirty="0" err="1"/>
+              <a:t>num</a:t>
+            </a:r>
+            <a:r>
+              <a:rPr lang="en-US" dirty="0"/>
+              <a:t> = 5      0x005</a:t>
+            </a:r>
+          </a:p>
+        </p:txBody>
+      </p:sp>
+      <p:cxnSp>
+        <p:nvCxnSpPr>
+          <p:cNvPr id="24" name="Straight Arrow Connector 23"/>
+          <p:cNvCxnSpPr>
+            <a:stCxn id="8" idx="3"/>
+            <a:endCxn id="2" idx="1"/>
+          </p:cNvCxnSpPr>
+          <p:nvPr/>
+        </p:nvCxnSpPr>
+        <p:spPr>
+          <a:xfrm flipV="1">
+            <a:off x="3556932" y="3393454"/>
+            <a:ext cx="1635854" cy="410953"/>
+          </a:xfrm>
+          <a:prstGeom prst="straightConnector1">
+            <a:avLst/>
+          </a:prstGeom>
+          <a:ln>
+            <a:tailEnd type="triangle"/>
+          </a:ln>
+        </p:spPr>
+        <p:style>
+          <a:lnRef idx="1">
+            <a:schemeClr val="dk1"/>
+          </a:lnRef>
+          <a:fillRef idx="0">
+            <a:schemeClr val="dk1"/>
+          </a:fillRef>
+          <a:effectRef idx="0">
+            <a:schemeClr val="dk1"/>
+          </a:effectRef>
+          <a:fontRef idx="minor">
+            <a:schemeClr val="tx1"/>
+          </a:fontRef>
+        </p:style>
+      </p:cxnSp>
+      <p:grpSp>
+        <p:nvGrpSpPr>
+          <p:cNvPr id="30" name="Group 29"/>
+          <p:cNvGrpSpPr/>
+          <p:nvPr/>
+        </p:nvGrpSpPr>
+        <p:grpSpPr>
+          <a:xfrm>
+            <a:off x="6084060" y="3453361"/>
+            <a:ext cx="188947" cy="195043"/>
+            <a:chOff x="1442906" y="855677"/>
+            <a:chExt cx="260058" cy="268447"/>
+          </a:xfrm>
+        </p:grpSpPr>
+        <p:cxnSp>
+          <p:nvCxnSpPr>
+            <p:cNvPr id="26" name="Straight Connector 25"/>
+            <p:cNvCxnSpPr/>
+            <p:nvPr/>
+          </p:nvCxnSpPr>
+          <p:spPr>
+            <a:xfrm>
+              <a:off x="1451295" y="855677"/>
+              <a:ext cx="251669" cy="260059"/>
+            </a:xfrm>
+            <a:prstGeom prst="line">
+              <a:avLst/>
+            </a:prstGeom>
+          </p:spPr>
+          <p:style>
+            <a:lnRef idx="3">
+              <a:schemeClr val="accent1"/>
+            </a:lnRef>
+            <a:fillRef idx="0">
+              <a:schemeClr val="accent1"/>
+            </a:fillRef>
+            <a:effectRef idx="2">
+              <a:schemeClr val="accent1"/>
+            </a:effectRef>
+            <a:fontRef idx="minor">
+              <a:schemeClr val="tx1"/>
+            </a:fontRef>
+          </p:style>
+        </p:cxnSp>
+        <p:cxnSp>
+          <p:nvCxnSpPr>
+            <p:cNvPr id="27" name="Straight Connector 26"/>
+            <p:cNvCxnSpPr/>
+            <p:nvPr/>
+          </p:nvCxnSpPr>
+          <p:spPr>
+            <a:xfrm flipH="1">
+              <a:off x="1442906" y="864064"/>
+              <a:ext cx="251669" cy="260060"/>
+            </a:xfrm>
+            <a:prstGeom prst="line">
+              <a:avLst/>
+            </a:prstGeom>
+          </p:spPr>
+          <p:style>
+            <a:lnRef idx="3">
+              <a:schemeClr val="accent1"/>
+            </a:lnRef>
+            <a:fillRef idx="0">
+              <a:schemeClr val="accent1"/>
+            </a:fillRef>
+            <a:effectRef idx="2">
+              <a:schemeClr val="accent1"/>
+            </a:effectRef>
+            <a:fontRef idx="minor">
+              <a:schemeClr val="tx1"/>
+            </a:fontRef>
+          </p:style>
+        </p:cxnSp>
+      </p:grpSp>
+      <p:sp>
+        <p:nvSpPr>
+          <p:cNvPr id="31" name="TextBox 30"/>
+          <p:cNvSpPr txBox="1"/>
+          <p:nvPr/>
+        </p:nvSpPr>
+        <p:spPr>
+          <a:xfrm>
+            <a:off x="6040466" y="3111349"/>
+            <a:ext cx="276137" cy="369332"/>
+          </a:xfrm>
+          <a:prstGeom prst="rect">
+            <a:avLst/>
+          </a:prstGeom>
+          <a:noFill/>
+        </p:spPr>
+        <p:txBody>
+          <a:bodyPr wrap="square" rtlCol="0">
+            <a:spAutoFit/>
+          </a:bodyPr>
+          <a:lstStyle/>
+          <a:p>
+            <a:r>
+              <a:rPr lang="en-US" dirty="0"/>
+              <a:t>6</a:t>
+            </a:r>
+          </a:p>
+        </p:txBody>
+      </p:sp>
+      <p:sp>
+        <p:nvSpPr>
+          <p:cNvPr id="34" name="Rectangle 33"/>
+          <p:cNvSpPr/>
+          <p:nvPr/>
+        </p:nvSpPr>
+        <p:spPr>
+          <a:xfrm>
+            <a:off x="1449002" y="3175448"/>
+            <a:ext cx="2105637" cy="402672"/>
+          </a:xfrm>
+          <a:prstGeom prst="rect">
+            <a:avLst/>
+          </a:prstGeom>
+          <a:solidFill>
+            <a:srgbClr val="FFFF00"/>
+          </a:solidFill>
+        </p:spPr>
+        <p:style>
+          <a:lnRef idx="2">
+            <a:schemeClr val="accent1">
+              <a:shade val="50000"/>
+            </a:schemeClr>
+          </a:lnRef>
+          <a:fillRef idx="1">
+            <a:schemeClr val="accent1"/>
+          </a:fillRef>
+          <a:effectRef idx="0">
+            <a:schemeClr val="accent1"/>
+          </a:effectRef>
+          <a:fontRef idx="minor">
+            <a:schemeClr val="lt1"/>
+          </a:fontRef>
+        </p:style>
+        <p:txBody>
+          <a:bodyPr rtlCol="0" anchor="ctr"/>
+          <a:lstStyle/>
+          <a:p>
+            <a:pPr algn="ctr"/>
+            <a:endParaRPr lang="en-US" dirty="0"/>
+          </a:p>
+        </p:txBody>
+      </p:sp>
+      <p:sp>
+        <p:nvSpPr>
+          <p:cNvPr id="35" name="TextBox 34"/>
+          <p:cNvSpPr txBox="1"/>
+          <p:nvPr/>
+        </p:nvSpPr>
+        <p:spPr>
+          <a:xfrm>
+            <a:off x="1893619" y="3192226"/>
+            <a:ext cx="1308682" cy="369332"/>
+          </a:xfrm>
+          <a:prstGeom prst="rect">
+            <a:avLst/>
+          </a:prstGeom>
+          <a:noFill/>
+        </p:spPr>
+        <p:txBody>
+          <a:bodyPr wrap="square" rtlCol="0">
+            <a:spAutoFit/>
+          </a:bodyPr>
+          <a:lstStyle/>
+          <a:p>
+            <a:r>
+              <a:rPr lang="en-US" dirty="0"/>
+              <a:t>a</a:t>
+            </a:r>
+            <a:r>
+              <a:rPr lang="en-US" altLang="zh-CN" dirty="0"/>
+              <a:t>a</a:t>
+            </a:r>
+            <a:r>
+              <a:rPr lang="en-US" dirty="0"/>
+              <a:t> = 0</a:t>
+            </a:r>
+            <a:r>
+              <a:rPr lang="en-US" altLang="zh-CN" dirty="0"/>
+              <a:t>x005</a:t>
+            </a:r>
+            <a:endParaRPr lang="en-US" dirty="0"/>
+          </a:p>
+        </p:txBody>
+      </p:sp>
+      <p:cxnSp>
+        <p:nvCxnSpPr>
+          <p:cNvPr id="36" name="Straight Arrow Connector 35"/>
+          <p:cNvCxnSpPr>
+            <a:endCxn id="2" idx="1"/>
+          </p:cNvCxnSpPr>
+          <p:nvPr/>
+        </p:nvCxnSpPr>
+        <p:spPr>
+          <a:xfrm flipV="1">
+            <a:off x="3550837" y="3393454"/>
+            <a:ext cx="1641949" cy="9569"/>
+          </a:xfrm>
+          <a:prstGeom prst="straightConnector1">
+            <a:avLst/>
+          </a:prstGeom>
+          <a:ln>
+            <a:tailEnd type="triangle"/>
+          </a:ln>
+        </p:spPr>
+        <p:style>
+          <a:lnRef idx="1">
+            <a:schemeClr val="dk1"/>
+          </a:lnRef>
+          <a:fillRef idx="0">
+            <a:schemeClr val="dk1"/>
+          </a:fillRef>
+          <a:effectRef idx="0">
+            <a:schemeClr val="dk1"/>
+          </a:effectRef>
+          <a:fontRef idx="minor">
+            <a:schemeClr val="tx1"/>
+          </a:fontRef>
+        </p:style>
+      </p:cxnSp>
+    </p:spTree>
+    <p:extLst>
+      <p:ext uri="{BB962C8B-B14F-4D97-AF65-F5344CB8AC3E}">
+        <p14:creationId xmlns:p14="http://schemas.microsoft.com/office/powerpoint/2010/main" val="3365634911"/>
       </p:ext>
     </p:extLst>
   </p:cSld>

--- a/ImagePPT.pptx
+++ b/ImagePPT.pptx
@@ -8,6 +8,7 @@
     <p:sldId id="256" r:id="rId2"/>
     <p:sldId id="257" r:id="rId3"/>
     <p:sldId id="258" r:id="rId4"/>
+    <p:sldId id="259" r:id="rId5"/>
   </p:sldIdLst>
   <p:sldSz cx="12192000" cy="6858000"/>
   <p:notesSz cx="6858000" cy="9144000"/>
@@ -4748,7 +4749,7 @@
         </p:nvGrpSpPr>
         <p:grpSpPr>
           <a:xfrm>
-            <a:off x="6084060" y="3453361"/>
+            <a:off x="6096100" y="3429258"/>
             <a:ext cx="188947" cy="195043"/>
             <a:chOff x="1442906" y="855677"/>
             <a:chExt cx="260058" cy="268447"/>
@@ -4968,6 +4969,748 @@
     <p:extLst>
       <p:ext uri="{BB962C8B-B14F-4D97-AF65-F5344CB8AC3E}">
         <p14:creationId xmlns:p14="http://schemas.microsoft.com/office/powerpoint/2010/main" val="3365634911"/>
+      </p:ext>
+    </p:extLst>
+  </p:cSld>
+  <p:clrMapOvr>
+    <a:masterClrMapping/>
+  </p:clrMapOvr>
+</p:sld>
+</file>
+
+<file path=ppt/slides/slide4.xml><?xml version="1.0" encoding="utf-8"?>
+<p:sld xmlns:a="http://schemas.openxmlformats.org/drawingml/2006/main" xmlns:r="http://schemas.openxmlformats.org/officeDocument/2006/relationships" xmlns:p="http://schemas.openxmlformats.org/presentationml/2006/main">
+  <p:cSld>
+    <p:spTree>
+      <p:nvGrpSpPr>
+        <p:cNvPr id="1" name=""/>
+        <p:cNvGrpSpPr/>
+        <p:nvPr/>
+      </p:nvGrpSpPr>
+      <p:grpSpPr>
+        <a:xfrm>
+          <a:off x="0" y="0"/>
+          <a:ext cx="0" cy="0"/>
+          <a:chOff x="0" y="0"/>
+          <a:chExt cx="0" cy="0"/>
+        </a:xfrm>
+      </p:grpSpPr>
+      <p:sp>
+        <p:nvSpPr>
+          <p:cNvPr id="5" name="Rectangle 4"/>
+          <p:cNvSpPr/>
+          <p:nvPr/>
+        </p:nvSpPr>
+        <p:spPr>
+          <a:xfrm>
+            <a:off x="1451296" y="2709644"/>
+            <a:ext cx="2105637" cy="1652630"/>
+          </a:xfrm>
+          <a:prstGeom prst="rect">
+            <a:avLst/>
+          </a:prstGeom>
+        </p:spPr>
+        <p:style>
+          <a:lnRef idx="2">
+            <a:schemeClr val="accent1">
+              <a:shade val="50000"/>
+            </a:schemeClr>
+          </a:lnRef>
+          <a:fillRef idx="1">
+            <a:schemeClr val="accent1"/>
+          </a:fillRef>
+          <a:effectRef idx="0">
+            <a:schemeClr val="accent1"/>
+          </a:effectRef>
+          <a:fontRef idx="minor">
+            <a:schemeClr val="lt1"/>
+          </a:fontRef>
+        </p:style>
+        <p:txBody>
+          <a:bodyPr rtlCol="0" anchor="ctr"/>
+          <a:lstStyle/>
+          <a:p>
+            <a:pPr algn="ctr"/>
+            <a:endParaRPr lang="en-US"/>
+          </a:p>
+        </p:txBody>
+      </p:sp>
+      <p:sp>
+        <p:nvSpPr>
+          <p:cNvPr id="6" name="TextBox 5"/>
+          <p:cNvSpPr txBox="1"/>
+          <p:nvPr/>
+        </p:nvSpPr>
+        <p:spPr>
+          <a:xfrm>
+            <a:off x="2239861" y="4437776"/>
+            <a:ext cx="528506" cy="369332"/>
+          </a:xfrm>
+          <a:prstGeom prst="rect">
+            <a:avLst/>
+          </a:prstGeom>
+          <a:noFill/>
+        </p:spPr>
+        <p:txBody>
+          <a:bodyPr wrap="square" rtlCol="0">
+            <a:spAutoFit/>
+          </a:bodyPr>
+          <a:lstStyle/>
+          <a:p>
+            <a:r>
+              <a:rPr lang="zh-CN" altLang="en-US" b="1" dirty="0"/>
+              <a:t>栈</a:t>
+            </a:r>
+            <a:endParaRPr lang="en-US" b="1" dirty="0"/>
+          </a:p>
+        </p:txBody>
+      </p:sp>
+      <p:sp>
+        <p:nvSpPr>
+          <p:cNvPr id="7" name="Rectangle 6"/>
+          <p:cNvSpPr/>
+          <p:nvPr/>
+        </p:nvSpPr>
+        <p:spPr>
+          <a:xfrm>
+            <a:off x="1451295" y="3997354"/>
+            <a:ext cx="2105637" cy="402672"/>
+          </a:xfrm>
+          <a:prstGeom prst="rect">
+            <a:avLst/>
+          </a:prstGeom>
+          <a:solidFill>
+            <a:schemeClr val="accent3">
+              <a:lumMod val="40000"/>
+              <a:lumOff val="60000"/>
+            </a:schemeClr>
+          </a:solidFill>
+        </p:spPr>
+        <p:style>
+          <a:lnRef idx="2">
+            <a:schemeClr val="accent1">
+              <a:shade val="50000"/>
+            </a:schemeClr>
+          </a:lnRef>
+          <a:fillRef idx="1">
+            <a:schemeClr val="accent1"/>
+          </a:fillRef>
+          <a:effectRef idx="0">
+            <a:schemeClr val="accent1"/>
+          </a:effectRef>
+          <a:fontRef idx="minor">
+            <a:schemeClr val="lt1"/>
+          </a:fontRef>
+        </p:style>
+        <p:txBody>
+          <a:bodyPr rtlCol="0" anchor="ctr"/>
+          <a:lstStyle/>
+          <a:p>
+            <a:pPr algn="ctr"/>
+            <a:endParaRPr lang="en-US" dirty="0"/>
+          </a:p>
+        </p:txBody>
+      </p:sp>
+      <p:sp>
+        <p:nvSpPr>
+          <p:cNvPr id="8" name="Rectangle 7"/>
+          <p:cNvSpPr/>
+          <p:nvPr/>
+        </p:nvSpPr>
+        <p:spPr>
+          <a:xfrm>
+            <a:off x="1451295" y="3603071"/>
+            <a:ext cx="2105637" cy="402672"/>
+          </a:xfrm>
+          <a:prstGeom prst="rect">
+            <a:avLst/>
+          </a:prstGeom>
+          <a:solidFill>
+            <a:srgbClr val="FFFF00"/>
+          </a:solidFill>
+        </p:spPr>
+        <p:style>
+          <a:lnRef idx="2">
+            <a:schemeClr val="accent1">
+              <a:shade val="50000"/>
+            </a:schemeClr>
+          </a:lnRef>
+          <a:fillRef idx="1">
+            <a:schemeClr val="accent1"/>
+          </a:fillRef>
+          <a:effectRef idx="0">
+            <a:schemeClr val="accent1"/>
+          </a:effectRef>
+          <a:fontRef idx="minor">
+            <a:schemeClr val="lt1"/>
+          </a:fontRef>
+        </p:style>
+        <p:txBody>
+          <a:bodyPr rtlCol="0" anchor="ctr"/>
+          <a:lstStyle/>
+          <a:p>
+            <a:pPr algn="ctr"/>
+            <a:endParaRPr lang="en-US" dirty="0"/>
+          </a:p>
+        </p:txBody>
+      </p:sp>
+      <p:sp>
+        <p:nvSpPr>
+          <p:cNvPr id="10" name="TextBox 9"/>
+          <p:cNvSpPr txBox="1"/>
+          <p:nvPr/>
+        </p:nvSpPr>
+        <p:spPr>
+          <a:xfrm>
+            <a:off x="2214693" y="4005743"/>
+            <a:ext cx="847288" cy="369332"/>
+          </a:xfrm>
+          <a:prstGeom prst="rect">
+            <a:avLst/>
+          </a:prstGeom>
+          <a:noFill/>
+        </p:spPr>
+        <p:txBody>
+          <a:bodyPr wrap="square" rtlCol="0">
+            <a:spAutoFit/>
+          </a:bodyPr>
+          <a:lstStyle/>
+          <a:p>
+            <a:r>
+              <a:rPr lang="en-US" altLang="zh-CN" dirty="0"/>
+              <a:t>main</a:t>
+            </a:r>
+            <a:endParaRPr lang="en-US" dirty="0"/>
+          </a:p>
+        </p:txBody>
+      </p:sp>
+      <p:sp>
+        <p:nvSpPr>
+          <p:cNvPr id="11" name="TextBox 10"/>
+          <p:cNvSpPr txBox="1"/>
+          <p:nvPr/>
+        </p:nvSpPr>
+        <p:spPr>
+          <a:xfrm>
+            <a:off x="1996580" y="3628238"/>
+            <a:ext cx="1308682" cy="369332"/>
+          </a:xfrm>
+          <a:prstGeom prst="rect">
+            <a:avLst/>
+          </a:prstGeom>
+          <a:noFill/>
+        </p:spPr>
+        <p:txBody>
+          <a:bodyPr wrap="square" rtlCol="0">
+            <a:spAutoFit/>
+          </a:bodyPr>
+          <a:lstStyle/>
+          <a:p>
+            <a:r>
+              <a:rPr lang="en-US" dirty="0"/>
+              <a:t>a = null</a:t>
+            </a:r>
+          </a:p>
+        </p:txBody>
+      </p:sp>
+      <p:sp>
+        <p:nvSpPr>
+          <p:cNvPr id="14" name="TextBox 13"/>
+          <p:cNvSpPr txBox="1"/>
+          <p:nvPr/>
+        </p:nvSpPr>
+        <p:spPr>
+          <a:xfrm>
+            <a:off x="2214694" y="4005743"/>
+            <a:ext cx="847288" cy="369332"/>
+          </a:xfrm>
+          <a:prstGeom prst="rect">
+            <a:avLst/>
+          </a:prstGeom>
+          <a:noFill/>
+        </p:spPr>
+        <p:txBody>
+          <a:bodyPr wrap="square" rtlCol="0">
+            <a:spAutoFit/>
+          </a:bodyPr>
+          <a:lstStyle/>
+          <a:p>
+            <a:r>
+              <a:rPr lang="en-US" altLang="zh-CN" dirty="0"/>
+              <a:t>main</a:t>
+            </a:r>
+            <a:endParaRPr lang="en-US" dirty="0"/>
+          </a:p>
+        </p:txBody>
+      </p:sp>
+      <p:sp>
+        <p:nvSpPr>
+          <p:cNvPr id="19" name="Rectangle 18"/>
+          <p:cNvSpPr/>
+          <p:nvPr/>
+        </p:nvSpPr>
+        <p:spPr>
+          <a:xfrm>
+            <a:off x="5192786" y="2726422"/>
+            <a:ext cx="2105637" cy="1665431"/>
+          </a:xfrm>
+          <a:prstGeom prst="rect">
+            <a:avLst/>
+          </a:prstGeom>
+          <a:solidFill>
+            <a:schemeClr val="accent2"/>
+          </a:solidFill>
+        </p:spPr>
+        <p:style>
+          <a:lnRef idx="2">
+            <a:schemeClr val="accent1">
+              <a:shade val="50000"/>
+            </a:schemeClr>
+          </a:lnRef>
+          <a:fillRef idx="1">
+            <a:schemeClr val="accent1"/>
+          </a:fillRef>
+          <a:effectRef idx="0">
+            <a:schemeClr val="accent1"/>
+          </a:effectRef>
+          <a:fontRef idx="minor">
+            <a:schemeClr val="lt1"/>
+          </a:fontRef>
+        </p:style>
+        <p:txBody>
+          <a:bodyPr rtlCol="0" anchor="ctr"/>
+          <a:lstStyle/>
+          <a:p>
+            <a:pPr algn="ctr"/>
+            <a:endParaRPr lang="en-US"/>
+          </a:p>
+        </p:txBody>
+      </p:sp>
+      <p:sp>
+        <p:nvSpPr>
+          <p:cNvPr id="23" name="TextBox 22"/>
+          <p:cNvSpPr txBox="1"/>
+          <p:nvPr/>
+        </p:nvSpPr>
+        <p:spPr>
+          <a:xfrm>
+            <a:off x="6133751" y="4450468"/>
+            <a:ext cx="528506" cy="369332"/>
+          </a:xfrm>
+          <a:prstGeom prst="rect">
+            <a:avLst/>
+          </a:prstGeom>
+          <a:noFill/>
+        </p:spPr>
+        <p:txBody>
+          <a:bodyPr wrap="square" rtlCol="0">
+            <a:spAutoFit/>
+          </a:bodyPr>
+          <a:lstStyle/>
+          <a:p>
+            <a:r>
+              <a:rPr lang="zh-CN" altLang="en-US" b="1" dirty="0"/>
+              <a:t>堆</a:t>
+            </a:r>
+            <a:endParaRPr lang="en-US" b="1" dirty="0"/>
+          </a:p>
+        </p:txBody>
+      </p:sp>
+      <p:sp>
+        <p:nvSpPr>
+          <p:cNvPr id="2" name="Rectangle 1"/>
+          <p:cNvSpPr/>
+          <p:nvPr/>
+        </p:nvSpPr>
+        <p:spPr>
+          <a:xfrm>
+            <a:off x="5192786" y="2994976"/>
+            <a:ext cx="2105637" cy="796955"/>
+          </a:xfrm>
+          <a:prstGeom prst="rect">
+            <a:avLst/>
+          </a:prstGeom>
+          <a:solidFill>
+            <a:schemeClr val="accent6">
+              <a:lumMod val="60000"/>
+              <a:lumOff val="40000"/>
+            </a:schemeClr>
+          </a:solidFill>
+        </p:spPr>
+        <p:style>
+          <a:lnRef idx="2">
+            <a:schemeClr val="accent1">
+              <a:shade val="50000"/>
+            </a:schemeClr>
+          </a:lnRef>
+          <a:fillRef idx="1">
+            <a:schemeClr val="accent1"/>
+          </a:fillRef>
+          <a:effectRef idx="0">
+            <a:schemeClr val="accent1"/>
+          </a:effectRef>
+          <a:fontRef idx="minor">
+            <a:schemeClr val="lt1"/>
+          </a:fontRef>
+        </p:style>
+        <p:txBody>
+          <a:bodyPr rtlCol="0" anchor="ctr"/>
+          <a:lstStyle/>
+          <a:p>
+            <a:pPr algn="ctr"/>
+            <a:endParaRPr lang="en-US"/>
+          </a:p>
+        </p:txBody>
+      </p:sp>
+      <p:sp>
+        <p:nvSpPr>
+          <p:cNvPr id="3" name="TextBox 2"/>
+          <p:cNvSpPr txBox="1"/>
+          <p:nvPr/>
+        </p:nvSpPr>
+        <p:spPr>
+          <a:xfrm>
+            <a:off x="5395519" y="3070287"/>
+            <a:ext cx="2028738" cy="646331"/>
+          </a:xfrm>
+          <a:prstGeom prst="rect">
+            <a:avLst/>
+          </a:prstGeom>
+          <a:noFill/>
+        </p:spPr>
+        <p:txBody>
+          <a:bodyPr wrap="square" rtlCol="0">
+            <a:spAutoFit/>
+          </a:bodyPr>
+          <a:lstStyle/>
+          <a:p>
+            <a:r>
+              <a:rPr lang="en-US" dirty="0"/>
+              <a:t>A()                </a:t>
+            </a:r>
+            <a:r>
+              <a:rPr lang="en-US" dirty="0">
+                <a:solidFill>
+                  <a:srgbClr val="FF0000"/>
+                </a:solidFill>
+              </a:rPr>
+              <a:t>Trash</a:t>
+            </a:r>
+          </a:p>
+          <a:p>
+            <a:r>
+              <a:rPr lang="en-US" dirty="0" err="1"/>
+              <a:t>num</a:t>
+            </a:r>
+            <a:r>
+              <a:rPr lang="en-US" dirty="0"/>
+              <a:t> = 6      0x005</a:t>
+            </a:r>
+          </a:p>
+        </p:txBody>
+      </p:sp>
+      <p:cxnSp>
+        <p:nvCxnSpPr>
+          <p:cNvPr id="24" name="Straight Arrow Connector 23"/>
+          <p:cNvCxnSpPr>
+            <a:stCxn id="8" idx="3"/>
+          </p:cNvCxnSpPr>
+          <p:nvPr/>
+        </p:nvCxnSpPr>
+        <p:spPr>
+          <a:xfrm flipV="1">
+            <a:off x="3556932" y="3412506"/>
+            <a:ext cx="1417740" cy="391901"/>
+          </a:xfrm>
+          <a:prstGeom prst="straightConnector1">
+            <a:avLst/>
+          </a:prstGeom>
+          <a:ln>
+            <a:tailEnd type="triangle"/>
+          </a:ln>
+        </p:spPr>
+        <p:style>
+          <a:lnRef idx="1">
+            <a:schemeClr val="dk1"/>
+          </a:lnRef>
+          <a:fillRef idx="0">
+            <a:schemeClr val="dk1"/>
+          </a:fillRef>
+          <a:effectRef idx="0">
+            <a:schemeClr val="dk1"/>
+          </a:effectRef>
+          <a:fontRef idx="minor">
+            <a:schemeClr val="tx1"/>
+          </a:fontRef>
+        </p:style>
+      </p:cxnSp>
+      <p:sp>
+        <p:nvSpPr>
+          <p:cNvPr id="34" name="Rectangle 33"/>
+          <p:cNvSpPr/>
+          <p:nvPr/>
+        </p:nvSpPr>
+        <p:spPr>
+          <a:xfrm>
+            <a:off x="1449002" y="3175448"/>
+            <a:ext cx="2105637" cy="402672"/>
+          </a:xfrm>
+          <a:prstGeom prst="rect">
+            <a:avLst/>
+          </a:prstGeom>
+          <a:solidFill>
+            <a:srgbClr val="FFFF00"/>
+          </a:solidFill>
+        </p:spPr>
+        <p:style>
+          <a:lnRef idx="2">
+            <a:schemeClr val="accent1">
+              <a:shade val="50000"/>
+            </a:schemeClr>
+          </a:lnRef>
+          <a:fillRef idx="1">
+            <a:schemeClr val="accent1"/>
+          </a:fillRef>
+          <a:effectRef idx="0">
+            <a:schemeClr val="accent1"/>
+          </a:effectRef>
+          <a:fontRef idx="minor">
+            <a:schemeClr val="lt1"/>
+          </a:fontRef>
+        </p:style>
+        <p:txBody>
+          <a:bodyPr rtlCol="0" anchor="ctr"/>
+          <a:lstStyle/>
+          <a:p>
+            <a:pPr algn="ctr"/>
+            <a:endParaRPr lang="en-US" dirty="0"/>
+          </a:p>
+        </p:txBody>
+      </p:sp>
+      <p:sp>
+        <p:nvSpPr>
+          <p:cNvPr id="35" name="TextBox 34"/>
+          <p:cNvSpPr txBox="1"/>
+          <p:nvPr/>
+        </p:nvSpPr>
+        <p:spPr>
+          <a:xfrm>
+            <a:off x="1893619" y="3192226"/>
+            <a:ext cx="1308682" cy="369332"/>
+          </a:xfrm>
+          <a:prstGeom prst="rect">
+            <a:avLst/>
+          </a:prstGeom>
+          <a:noFill/>
+        </p:spPr>
+        <p:txBody>
+          <a:bodyPr wrap="square" rtlCol="0">
+            <a:spAutoFit/>
+          </a:bodyPr>
+          <a:lstStyle/>
+          <a:p>
+            <a:r>
+              <a:rPr lang="en-US" dirty="0"/>
+              <a:t>a</a:t>
+            </a:r>
+            <a:r>
+              <a:rPr lang="en-US" altLang="zh-CN" dirty="0"/>
+              <a:t>a</a:t>
+            </a:r>
+            <a:r>
+              <a:rPr lang="en-US" dirty="0"/>
+              <a:t> = null</a:t>
+            </a:r>
+          </a:p>
+        </p:txBody>
+      </p:sp>
+      <p:cxnSp>
+        <p:nvCxnSpPr>
+          <p:cNvPr id="36" name="Straight Arrow Connector 35"/>
+          <p:cNvCxnSpPr/>
+          <p:nvPr/>
+        </p:nvCxnSpPr>
+        <p:spPr>
+          <a:xfrm flipV="1">
+            <a:off x="3550837" y="3355702"/>
+            <a:ext cx="1365112" cy="39260"/>
+          </a:xfrm>
+          <a:prstGeom prst="straightConnector1">
+            <a:avLst/>
+          </a:prstGeom>
+          <a:ln>
+            <a:tailEnd type="triangle"/>
+          </a:ln>
+        </p:spPr>
+        <p:style>
+          <a:lnRef idx="1">
+            <a:schemeClr val="dk1"/>
+          </a:lnRef>
+          <a:fillRef idx="0">
+            <a:schemeClr val="dk1"/>
+          </a:fillRef>
+          <a:effectRef idx="0">
+            <a:schemeClr val="dk1"/>
+          </a:effectRef>
+          <a:fontRef idx="minor">
+            <a:schemeClr val="tx1"/>
+          </a:fontRef>
+        </p:style>
+      </p:cxnSp>
+      <p:grpSp>
+        <p:nvGrpSpPr>
+          <p:cNvPr id="21" name="Group 20"/>
+          <p:cNvGrpSpPr/>
+          <p:nvPr/>
+        </p:nvGrpSpPr>
+        <p:grpSpPr>
+          <a:xfrm>
+            <a:off x="4066172" y="3305501"/>
+            <a:ext cx="188947" cy="195043"/>
+            <a:chOff x="1442906" y="855677"/>
+            <a:chExt cx="260058" cy="268447"/>
+          </a:xfrm>
+        </p:grpSpPr>
+        <p:cxnSp>
+          <p:nvCxnSpPr>
+            <p:cNvPr id="22" name="Straight Connector 21"/>
+            <p:cNvCxnSpPr/>
+            <p:nvPr/>
+          </p:nvCxnSpPr>
+          <p:spPr>
+            <a:xfrm>
+              <a:off x="1451295" y="855677"/>
+              <a:ext cx="251669" cy="260059"/>
+            </a:xfrm>
+            <a:prstGeom prst="line">
+              <a:avLst/>
+            </a:prstGeom>
+          </p:spPr>
+          <p:style>
+            <a:lnRef idx="3">
+              <a:schemeClr val="accent1"/>
+            </a:lnRef>
+            <a:fillRef idx="0">
+              <a:schemeClr val="accent1"/>
+            </a:fillRef>
+            <a:effectRef idx="2">
+              <a:schemeClr val="accent1"/>
+            </a:effectRef>
+            <a:fontRef idx="minor">
+              <a:schemeClr val="tx1"/>
+            </a:fontRef>
+          </p:style>
+        </p:cxnSp>
+        <p:cxnSp>
+          <p:nvCxnSpPr>
+            <p:cNvPr id="25" name="Straight Connector 24"/>
+            <p:cNvCxnSpPr/>
+            <p:nvPr/>
+          </p:nvCxnSpPr>
+          <p:spPr>
+            <a:xfrm flipH="1">
+              <a:off x="1442906" y="864064"/>
+              <a:ext cx="251669" cy="260060"/>
+            </a:xfrm>
+            <a:prstGeom prst="line">
+              <a:avLst/>
+            </a:prstGeom>
+          </p:spPr>
+          <p:style>
+            <a:lnRef idx="3">
+              <a:schemeClr val="accent1"/>
+            </a:lnRef>
+            <a:fillRef idx="0">
+              <a:schemeClr val="accent1"/>
+            </a:fillRef>
+            <a:effectRef idx="2">
+              <a:schemeClr val="accent1"/>
+            </a:effectRef>
+            <a:fontRef idx="minor">
+              <a:schemeClr val="tx1"/>
+            </a:fontRef>
+          </p:style>
+        </p:cxnSp>
+      </p:grpSp>
+      <p:grpSp>
+        <p:nvGrpSpPr>
+          <p:cNvPr id="28" name="Group 27"/>
+          <p:cNvGrpSpPr/>
+          <p:nvPr/>
+        </p:nvGrpSpPr>
+        <p:grpSpPr>
+          <a:xfrm>
+            <a:off x="3850546" y="3621029"/>
+            <a:ext cx="188947" cy="195043"/>
+            <a:chOff x="1442906" y="855677"/>
+            <a:chExt cx="260058" cy="268447"/>
+          </a:xfrm>
+        </p:grpSpPr>
+        <p:cxnSp>
+          <p:nvCxnSpPr>
+            <p:cNvPr id="29" name="Straight Connector 28"/>
+            <p:cNvCxnSpPr/>
+            <p:nvPr/>
+          </p:nvCxnSpPr>
+          <p:spPr>
+            <a:xfrm>
+              <a:off x="1451295" y="855677"/>
+              <a:ext cx="251669" cy="260059"/>
+            </a:xfrm>
+            <a:prstGeom prst="line">
+              <a:avLst/>
+            </a:prstGeom>
+          </p:spPr>
+          <p:style>
+            <a:lnRef idx="3">
+              <a:schemeClr val="accent1"/>
+            </a:lnRef>
+            <a:fillRef idx="0">
+              <a:schemeClr val="accent1"/>
+            </a:fillRef>
+            <a:effectRef idx="2">
+              <a:schemeClr val="accent1"/>
+            </a:effectRef>
+            <a:fontRef idx="minor">
+              <a:schemeClr val="tx1"/>
+            </a:fontRef>
+          </p:style>
+        </p:cxnSp>
+        <p:cxnSp>
+          <p:nvCxnSpPr>
+            <p:cNvPr id="32" name="Straight Connector 31"/>
+            <p:cNvCxnSpPr/>
+            <p:nvPr/>
+          </p:nvCxnSpPr>
+          <p:spPr>
+            <a:xfrm flipH="1">
+              <a:off x="1442906" y="864064"/>
+              <a:ext cx="251669" cy="260060"/>
+            </a:xfrm>
+            <a:prstGeom prst="line">
+              <a:avLst/>
+            </a:prstGeom>
+          </p:spPr>
+          <p:style>
+            <a:lnRef idx="3">
+              <a:schemeClr val="accent1"/>
+            </a:lnRef>
+            <a:fillRef idx="0">
+              <a:schemeClr val="accent1"/>
+            </a:fillRef>
+            <a:effectRef idx="2">
+              <a:schemeClr val="accent1"/>
+            </a:effectRef>
+            <a:fontRef idx="minor">
+              <a:schemeClr val="tx1"/>
+            </a:fontRef>
+          </p:style>
+        </p:cxnSp>
+      </p:grpSp>
+    </p:spTree>
+    <p:extLst>
+      <p:ext uri="{BB962C8B-B14F-4D97-AF65-F5344CB8AC3E}">
+        <p14:creationId xmlns:p14="http://schemas.microsoft.com/office/powerpoint/2010/main" val="3987130798"/>
       </p:ext>
     </p:extLst>
   </p:cSld>
